--- a/Case study.pptx
+++ b/Case study.pptx
@@ -27,23 +27,25 @@
     <p:sldId id="272" r:id="rId22"/>
     <p:sldId id="273" r:id="rId23"/>
     <p:sldId id="274" r:id="rId24"/>
+    <p:sldId id="275" r:id="rId25"/>
+    <p:sldId id="276" r:id="rId26"/>
   </p:sldIdLst>
   <p:sldSz cy="5143500" cx="9144000"/>
   <p:notesSz cx="6858000" cy="9144000"/>
   <p:embeddedFontLst>
     <p:embeddedFont>
       <p:font typeface="Roboto"/>
-      <p:regular r:id="rId25"/>
-      <p:bold r:id="rId26"/>
-      <p:italic r:id="rId27"/>
-      <p:boldItalic r:id="rId28"/>
+      <p:regular r:id="rId27"/>
+      <p:bold r:id="rId28"/>
+      <p:italic r:id="rId29"/>
+      <p:boldItalic r:id="rId30"/>
     </p:embeddedFont>
     <p:embeddedFont>
       <p:font typeface="Montserrat Medium"/>
-      <p:regular r:id="rId29"/>
-      <p:bold r:id="rId30"/>
-      <p:italic r:id="rId31"/>
-      <p:boldItalic r:id="rId32"/>
+      <p:regular r:id="rId31"/>
+      <p:bold r:id="rId32"/>
+      <p:italic r:id="rId33"/>
+      <p:boldItalic r:id="rId34"/>
     </p:embeddedFont>
   </p:embeddedFontLst>
   <p:defaultTextStyle>
@@ -824,7 +826,7 @@
   <p:cSld>
     <p:spTree>
       <p:nvGrpSpPr>
-        <p:cNvPr id="213" name="Shape 213"/>
+        <p:cNvPr id="217" name="Shape 217"/>
         <p:cNvGrpSpPr/>
         <p:nvPr/>
       </p:nvGrpSpPr>
@@ -838,7 +840,7 @@
       </p:grpSpPr>
       <p:sp>
         <p:nvSpPr>
-          <p:cNvPr id="214" name="Google Shape;214;ge4f7f3e16e_0_1:notes"/>
+          <p:cNvPr id="218" name="Google Shape;218;ge4f7f3e16e_1_26:notes"/>
           <p:cNvSpPr/>
           <p:nvPr>
             <p:ph idx="2" type="sldImg"/>
@@ -873,7 +875,7 @@
       </p:sp>
       <p:sp>
         <p:nvSpPr>
-          <p:cNvPr id="215" name="Google Shape;215;ge4f7f3e16e_0_1:notes"/>
+          <p:cNvPr id="219" name="Google Shape;219;ge4f7f3e16e_1_26:notes"/>
           <p:cNvSpPr txBox="1"/>
           <p:nvPr>
             <p:ph idx="1" type="body"/>
@@ -923,7 +925,7 @@
   <p:cSld>
     <p:spTree>
       <p:nvGrpSpPr>
-        <p:cNvPr id="220" name="Shape 220"/>
+        <p:cNvPr id="223" name="Shape 223"/>
         <p:cNvGrpSpPr/>
         <p:nvPr/>
       </p:nvGrpSpPr>
@@ -937,7 +939,7 @@
       </p:grpSpPr>
       <p:sp>
         <p:nvSpPr>
-          <p:cNvPr id="221" name="Google Shape;221;ge494272576_0_86:notes"/>
+          <p:cNvPr id="224" name="Google Shape;224;ge4f7f3e16e_0_1:notes"/>
           <p:cNvSpPr/>
           <p:nvPr>
             <p:ph idx="2" type="sldImg"/>
@@ -945,8 +947,8 @@
         </p:nvSpPr>
         <p:spPr>
           <a:xfrm>
-            <a:off x="381188" y="685800"/>
-            <a:ext cx="6096300" cy="3429000"/>
+            <a:off x="381300" y="685800"/>
+            <a:ext cx="6096000" cy="3429000"/>
           </a:xfrm>
           <a:custGeom>
             <a:rect b="b" l="l" r="r" t="t"/>
@@ -972,7 +974,7 @@
       </p:sp>
       <p:sp>
         <p:nvSpPr>
-          <p:cNvPr id="222" name="Google Shape;222;ge494272576_0_86:notes"/>
+          <p:cNvPr id="225" name="Google Shape;225;ge4f7f3e16e_0_1:notes"/>
           <p:cNvSpPr txBox="1"/>
           <p:nvPr>
             <p:ph idx="1" type="body"/>
@@ -1022,7 +1024,7 @@
   <p:cSld>
     <p:spTree>
       <p:nvGrpSpPr>
-        <p:cNvPr id="226" name="Shape 226"/>
+        <p:cNvPr id="230" name="Shape 230"/>
         <p:cNvGrpSpPr/>
         <p:nvPr/>
       </p:nvGrpSpPr>
@@ -1036,7 +1038,7 @@
       </p:grpSpPr>
       <p:sp>
         <p:nvSpPr>
-          <p:cNvPr id="227" name="Google Shape;227;ge4f7f3e16e_1_17:notes"/>
+          <p:cNvPr id="231" name="Google Shape;231;ge494272576_0_86:notes"/>
           <p:cNvSpPr/>
           <p:nvPr>
             <p:ph idx="2" type="sldImg"/>
@@ -1044,8 +1046,8 @@
         </p:nvSpPr>
         <p:spPr>
           <a:xfrm>
-            <a:off x="381300" y="685800"/>
-            <a:ext cx="6096000" cy="3429000"/>
+            <a:off x="381188" y="685800"/>
+            <a:ext cx="6096300" cy="3429000"/>
           </a:xfrm>
           <a:custGeom>
             <a:rect b="b" l="l" r="r" t="t"/>
@@ -1071,7 +1073,7 @@
       </p:sp>
       <p:sp>
         <p:nvSpPr>
-          <p:cNvPr id="228" name="Google Shape;228;ge4f7f3e16e_1_17:notes"/>
+          <p:cNvPr id="232" name="Google Shape;232;ge494272576_0_86:notes"/>
           <p:cNvSpPr txBox="1"/>
           <p:nvPr>
             <p:ph idx="1" type="body"/>
@@ -1121,7 +1123,7 @@
   <p:cSld>
     <p:spTree>
       <p:nvGrpSpPr>
-        <p:cNvPr id="232" name="Shape 232"/>
+        <p:cNvPr id="236" name="Shape 236"/>
         <p:cNvGrpSpPr/>
         <p:nvPr/>
       </p:nvGrpSpPr>
@@ -1135,7 +1137,7 @@
       </p:grpSpPr>
       <p:sp>
         <p:nvSpPr>
-          <p:cNvPr id="233" name="Google Shape;233;ge424b8990a_0_4:notes"/>
+          <p:cNvPr id="237" name="Google Shape;237;ge4f7f3e16e_1_17:notes"/>
           <p:cNvSpPr/>
           <p:nvPr>
             <p:ph idx="2" type="sldImg"/>
@@ -1143,8 +1145,8 @@
         </p:nvSpPr>
         <p:spPr>
           <a:xfrm>
-            <a:off x="381188" y="685800"/>
-            <a:ext cx="6096300" cy="3429000"/>
+            <a:off x="381300" y="685800"/>
+            <a:ext cx="6096000" cy="3429000"/>
           </a:xfrm>
           <a:custGeom>
             <a:rect b="b" l="l" r="r" t="t"/>
@@ -1170,7 +1172,7 @@
       </p:sp>
       <p:sp>
         <p:nvSpPr>
-          <p:cNvPr id="234" name="Google Shape;234;ge424b8990a_0_4:notes"/>
+          <p:cNvPr id="238" name="Google Shape;238;ge4f7f3e16e_1_17:notes"/>
           <p:cNvSpPr txBox="1"/>
           <p:nvPr>
             <p:ph idx="1" type="body"/>
@@ -1220,7 +1222,7 @@
   <p:cSld>
     <p:spTree>
       <p:nvGrpSpPr>
-        <p:cNvPr id="238" name="Shape 238"/>
+        <p:cNvPr id="242" name="Shape 242"/>
         <p:cNvGrpSpPr/>
         <p:nvPr/>
       </p:nvGrpSpPr>
@@ -1234,7 +1236,7 @@
       </p:grpSpPr>
       <p:sp>
         <p:nvSpPr>
-          <p:cNvPr id="239" name="Google Shape;239;gc6f9e470d_0_43:notes"/>
+          <p:cNvPr id="243" name="Google Shape;243;ge424b8990a_0_4:notes"/>
           <p:cNvSpPr/>
           <p:nvPr>
             <p:ph idx="2" type="sldImg"/>
@@ -1269,7 +1271,7 @@
       </p:sp>
       <p:sp>
         <p:nvSpPr>
-          <p:cNvPr id="240" name="Google Shape;240;gc6f9e470d_0_43:notes"/>
+          <p:cNvPr id="244" name="Google Shape;244;ge424b8990a_0_4:notes"/>
           <p:cNvSpPr txBox="1"/>
           <p:nvPr>
             <p:ph idx="1" type="body"/>
@@ -1319,7 +1321,7 @@
   <p:cSld>
     <p:spTree>
       <p:nvGrpSpPr>
-        <p:cNvPr id="247" name="Shape 247"/>
+        <p:cNvPr id="248" name="Shape 248"/>
         <p:cNvGrpSpPr/>
         <p:nvPr/>
       </p:nvGrpSpPr>
@@ -1333,7 +1335,7 @@
       </p:grpSpPr>
       <p:sp>
         <p:nvSpPr>
-          <p:cNvPr id="248" name="Google Shape;248;ge2ea11760a_1_0:notes"/>
+          <p:cNvPr id="249" name="Google Shape;249;gc6f9e470d_0_43:notes"/>
           <p:cNvSpPr/>
           <p:nvPr>
             <p:ph idx="2" type="sldImg"/>
@@ -1368,7 +1370,7 @@
       </p:sp>
       <p:sp>
         <p:nvSpPr>
-          <p:cNvPr id="249" name="Google Shape;249;ge2ea11760a_1_0:notes"/>
+          <p:cNvPr id="250" name="Google Shape;250;gc6f9e470d_0_43:notes"/>
           <p:cNvSpPr txBox="1"/>
           <p:nvPr>
             <p:ph idx="1" type="body"/>
@@ -1418,7 +1420,7 @@
   <p:cSld>
     <p:spTree>
       <p:nvGrpSpPr>
-        <p:cNvPr id="261" name="Shape 261"/>
+        <p:cNvPr id="257" name="Shape 257"/>
         <p:cNvGrpSpPr/>
         <p:nvPr/>
       </p:nvGrpSpPr>
@@ -1432,7 +1434,7 @@
       </p:grpSpPr>
       <p:sp>
         <p:nvSpPr>
-          <p:cNvPr id="262" name="Google Shape;262;ge4f7f3e16e_1_65:notes"/>
+          <p:cNvPr id="258" name="Google Shape;258;ge2ea11760a_1_0:notes"/>
           <p:cNvSpPr/>
           <p:nvPr>
             <p:ph idx="2" type="sldImg"/>
@@ -1467,7 +1469,7 @@
       </p:sp>
       <p:sp>
         <p:nvSpPr>
-          <p:cNvPr id="263" name="Google Shape;263;ge4f7f3e16e_1_65:notes"/>
+          <p:cNvPr id="259" name="Google Shape;259;ge2ea11760a_1_0:notes"/>
           <p:cNvSpPr txBox="1"/>
           <p:nvPr>
             <p:ph idx="1" type="body"/>
@@ -1517,7 +1519,7 @@
   <p:cSld>
     <p:spTree>
       <p:nvGrpSpPr>
-        <p:cNvPr id="274" name="Shape 274"/>
+        <p:cNvPr id="271" name="Shape 271"/>
         <p:cNvGrpSpPr/>
         <p:nvPr/>
       </p:nvGrpSpPr>
@@ -1531,7 +1533,7 @@
       </p:grpSpPr>
       <p:sp>
         <p:nvSpPr>
-          <p:cNvPr id="275" name="Google Shape;275;ge4f7f3e16e_1_98:notes"/>
+          <p:cNvPr id="272" name="Google Shape;272;ge4f7f3e16e_1_65:notes"/>
           <p:cNvSpPr/>
           <p:nvPr>
             <p:ph idx="2" type="sldImg"/>
@@ -1566,7 +1568,7 @@
       </p:sp>
       <p:sp>
         <p:nvSpPr>
-          <p:cNvPr id="276" name="Google Shape;276;ge4f7f3e16e_1_98:notes"/>
+          <p:cNvPr id="273" name="Google Shape;273;ge4f7f3e16e_1_65:notes"/>
           <p:cNvSpPr txBox="1"/>
           <p:nvPr>
             <p:ph idx="1" type="body"/>
@@ -1616,7 +1618,7 @@
   <p:cSld>
     <p:spTree>
       <p:nvGrpSpPr>
-        <p:cNvPr id="280" name="Shape 280"/>
+        <p:cNvPr id="288" name="Shape 288"/>
         <p:cNvGrpSpPr/>
         <p:nvPr/>
       </p:nvGrpSpPr>
@@ -1630,7 +1632,7 @@
       </p:grpSpPr>
       <p:sp>
         <p:nvSpPr>
-          <p:cNvPr id="281" name="Google Shape;281;gc6f9e470d_0_37:notes"/>
+          <p:cNvPr id="289" name="Google Shape;289;ge4f7f3e16e_1_107:notes"/>
           <p:cNvSpPr/>
           <p:nvPr>
             <p:ph idx="2" type="sldImg"/>
@@ -1638,8 +1640,8 @@
         </p:nvSpPr>
         <p:spPr>
           <a:xfrm>
-            <a:off x="381188" y="685800"/>
-            <a:ext cx="6096300" cy="3429000"/>
+            <a:off x="381300" y="685800"/>
+            <a:ext cx="6096000" cy="3429000"/>
           </a:xfrm>
           <a:custGeom>
             <a:rect b="b" l="l" r="r" t="t"/>
@@ -1665,7 +1667,7 @@
       </p:sp>
       <p:sp>
         <p:nvSpPr>
-          <p:cNvPr id="282" name="Google Shape;282;gc6f9e470d_0_37:notes"/>
+          <p:cNvPr id="290" name="Google Shape;290;ge4f7f3e16e_1_107:notes"/>
           <p:cNvSpPr txBox="1"/>
           <p:nvPr>
             <p:ph idx="1" type="body"/>
@@ -1715,7 +1717,7 @@
   <p:cSld>
     <p:spTree>
       <p:nvGrpSpPr>
-        <p:cNvPr id="286" name="Shape 286"/>
+        <p:cNvPr id="295" name="Shape 295"/>
         <p:cNvGrpSpPr/>
         <p:nvPr/>
       </p:nvGrpSpPr>
@@ -1729,7 +1731,7 @@
       </p:grpSpPr>
       <p:sp>
         <p:nvSpPr>
-          <p:cNvPr id="287" name="Google Shape;287;ge424b8990a_0_30:notes"/>
+          <p:cNvPr id="296" name="Google Shape;296;ge4f7f3e16e_1_98:notes"/>
           <p:cNvSpPr/>
           <p:nvPr>
             <p:ph idx="2" type="sldImg"/>
@@ -1764,7 +1766,7 @@
       </p:sp>
       <p:sp>
         <p:nvSpPr>
-          <p:cNvPr id="288" name="Google Shape;288;ge424b8990a_0_30:notes"/>
+          <p:cNvPr id="297" name="Google Shape;297;ge4f7f3e16e_1_98:notes"/>
           <p:cNvSpPr txBox="1"/>
           <p:nvPr>
             <p:ph idx="1" type="body"/>
@@ -1908,6 +1910,204 @@
 </p:notes>
 </file>
 
+<file path=ppt/notesSlides/notesSlide20.xml><?xml version="1.0" encoding="utf-8"?>
+<p:notes xmlns:a="http://schemas.openxmlformats.org/drawingml/2006/main" xmlns:r="http://schemas.openxmlformats.org/officeDocument/2006/relationships" xmlns:mc="http://schemas.openxmlformats.org/markup-compatibility/2006" xmlns:mv="urn:schemas-microsoft-com:mac:vml" xmlns:p="http://schemas.openxmlformats.org/presentationml/2006/main" xmlns:c="http://schemas.openxmlformats.org/drawingml/2006/chart" xmlns:dgm="http://schemas.openxmlformats.org/drawingml/2006/diagram" xmlns:o="urn:schemas-microsoft-com:office:office" xmlns:v="urn:schemas-microsoft-com:vml" xmlns:pvml="urn:schemas-microsoft-com:office:powerpoint" xmlns:com="http://schemas.openxmlformats.org/drawingml/2006/compatibility" xmlns:p14="http://schemas.microsoft.com/office/powerpoint/2010/main" xmlns:p15="http://schemas.microsoft.com/office/powerpoint/2012/main" xmlns:ahyp="http://schemas.microsoft.com/office/drawing/2018/hyperlinkcolor" showMasterPhAnim="0" showMasterSp="0">
+  <p:cSld>
+    <p:spTree>
+      <p:nvGrpSpPr>
+        <p:cNvPr id="301" name="Shape 301"/>
+        <p:cNvGrpSpPr/>
+        <p:nvPr/>
+      </p:nvGrpSpPr>
+      <p:grpSpPr>
+        <a:xfrm>
+          <a:off x="0" y="0"/>
+          <a:ext cx="0" cy="0"/>
+          <a:chOff x="0" y="0"/>
+          <a:chExt cx="0" cy="0"/>
+        </a:xfrm>
+      </p:grpSpPr>
+      <p:sp>
+        <p:nvSpPr>
+          <p:cNvPr id="302" name="Google Shape;302;gc6f9e470d_0_37:notes"/>
+          <p:cNvSpPr/>
+          <p:nvPr>
+            <p:ph idx="2" type="sldImg"/>
+          </p:nvPr>
+        </p:nvSpPr>
+        <p:spPr>
+          <a:xfrm>
+            <a:off x="381188" y="685800"/>
+            <a:ext cx="6096300" cy="3429000"/>
+          </a:xfrm>
+          <a:custGeom>
+            <a:rect b="b" l="l" r="r" t="t"/>
+            <a:pathLst>
+              <a:path extrusionOk="0" h="120000" w="120000">
+                <a:moveTo>
+                  <a:pt x="0" y="0"/>
+                </a:moveTo>
+                <a:lnTo>
+                  <a:pt x="120000" y="0"/>
+                </a:lnTo>
+                <a:lnTo>
+                  <a:pt x="120000" y="120000"/>
+                </a:lnTo>
+                <a:lnTo>
+                  <a:pt x="0" y="120000"/>
+                </a:lnTo>
+                <a:close/>
+              </a:path>
+            </a:pathLst>
+          </a:custGeom>
+        </p:spPr>
+      </p:sp>
+      <p:sp>
+        <p:nvSpPr>
+          <p:cNvPr id="303" name="Google Shape;303;gc6f9e470d_0_37:notes"/>
+          <p:cNvSpPr txBox="1"/>
+          <p:nvPr>
+            <p:ph idx="1" type="body"/>
+          </p:nvPr>
+        </p:nvSpPr>
+        <p:spPr>
+          <a:xfrm>
+            <a:off x="685800" y="4343400"/>
+            <a:ext cx="5486400" cy="4114800"/>
+          </a:xfrm>
+          <a:prstGeom prst="rect">
+            <a:avLst/>
+          </a:prstGeom>
+        </p:spPr>
+        <p:txBody>
+          <a:bodyPr anchorCtr="0" anchor="t" bIns="91425" lIns="91425" spcFirstLastPara="1" rIns="91425" wrap="square" tIns="91425">
+            <a:noAutofit/>
+          </a:bodyPr>
+          <a:lstStyle/>
+          <a:p>
+            <a:pPr indent="0" lvl="0" marL="0" rtl="0" algn="l">
+              <a:spcBef>
+                <a:spcPts val="0"/>
+              </a:spcBef>
+              <a:spcAft>
+                <a:spcPts val="0"/>
+              </a:spcAft>
+              <a:buNone/>
+            </a:pPr>
+            <a:r>
+              <a:t/>
+            </a:r>
+            <a:endParaRPr/>
+          </a:p>
+        </p:txBody>
+      </p:sp>
+    </p:spTree>
+  </p:cSld>
+  <p:clrMapOvr>
+    <a:masterClrMapping/>
+  </p:clrMapOvr>
+</p:notes>
+</file>
+
+<file path=ppt/notesSlides/notesSlide21.xml><?xml version="1.0" encoding="utf-8"?>
+<p:notes xmlns:a="http://schemas.openxmlformats.org/drawingml/2006/main" xmlns:r="http://schemas.openxmlformats.org/officeDocument/2006/relationships" xmlns:mc="http://schemas.openxmlformats.org/markup-compatibility/2006" xmlns:mv="urn:schemas-microsoft-com:mac:vml" xmlns:p="http://schemas.openxmlformats.org/presentationml/2006/main" xmlns:c="http://schemas.openxmlformats.org/drawingml/2006/chart" xmlns:dgm="http://schemas.openxmlformats.org/drawingml/2006/diagram" xmlns:o="urn:schemas-microsoft-com:office:office" xmlns:v="urn:schemas-microsoft-com:vml" xmlns:pvml="urn:schemas-microsoft-com:office:powerpoint" xmlns:com="http://schemas.openxmlformats.org/drawingml/2006/compatibility" xmlns:p14="http://schemas.microsoft.com/office/powerpoint/2010/main" xmlns:p15="http://schemas.microsoft.com/office/powerpoint/2012/main" xmlns:ahyp="http://schemas.microsoft.com/office/drawing/2018/hyperlinkcolor" showMasterPhAnim="0" showMasterSp="0">
+  <p:cSld>
+    <p:spTree>
+      <p:nvGrpSpPr>
+        <p:cNvPr id="307" name="Shape 307"/>
+        <p:cNvGrpSpPr/>
+        <p:nvPr/>
+      </p:nvGrpSpPr>
+      <p:grpSpPr>
+        <a:xfrm>
+          <a:off x="0" y="0"/>
+          <a:ext cx="0" cy="0"/>
+          <a:chOff x="0" y="0"/>
+          <a:chExt cx="0" cy="0"/>
+        </a:xfrm>
+      </p:grpSpPr>
+      <p:sp>
+        <p:nvSpPr>
+          <p:cNvPr id="308" name="Google Shape;308;ge424b8990a_0_30:notes"/>
+          <p:cNvSpPr/>
+          <p:nvPr>
+            <p:ph idx="2" type="sldImg"/>
+          </p:nvPr>
+        </p:nvSpPr>
+        <p:spPr>
+          <a:xfrm>
+            <a:off x="381188" y="685800"/>
+            <a:ext cx="6096300" cy="3429000"/>
+          </a:xfrm>
+          <a:custGeom>
+            <a:rect b="b" l="l" r="r" t="t"/>
+            <a:pathLst>
+              <a:path extrusionOk="0" h="120000" w="120000">
+                <a:moveTo>
+                  <a:pt x="0" y="0"/>
+                </a:moveTo>
+                <a:lnTo>
+                  <a:pt x="120000" y="0"/>
+                </a:lnTo>
+                <a:lnTo>
+                  <a:pt x="120000" y="120000"/>
+                </a:lnTo>
+                <a:lnTo>
+                  <a:pt x="0" y="120000"/>
+                </a:lnTo>
+                <a:close/>
+              </a:path>
+            </a:pathLst>
+          </a:custGeom>
+        </p:spPr>
+      </p:sp>
+      <p:sp>
+        <p:nvSpPr>
+          <p:cNvPr id="309" name="Google Shape;309;ge424b8990a_0_30:notes"/>
+          <p:cNvSpPr txBox="1"/>
+          <p:nvPr>
+            <p:ph idx="1" type="body"/>
+          </p:nvPr>
+        </p:nvSpPr>
+        <p:spPr>
+          <a:xfrm>
+            <a:off x="685800" y="4343400"/>
+            <a:ext cx="5486400" cy="4114800"/>
+          </a:xfrm>
+          <a:prstGeom prst="rect">
+            <a:avLst/>
+          </a:prstGeom>
+        </p:spPr>
+        <p:txBody>
+          <a:bodyPr anchorCtr="0" anchor="t" bIns="91425" lIns="91425" spcFirstLastPara="1" rIns="91425" wrap="square" tIns="91425">
+            <a:noAutofit/>
+          </a:bodyPr>
+          <a:lstStyle/>
+          <a:p>
+            <a:pPr indent="0" lvl="0" marL="0" rtl="0" algn="l">
+              <a:spcBef>
+                <a:spcPts val="0"/>
+              </a:spcBef>
+              <a:spcAft>
+                <a:spcPts val="0"/>
+              </a:spcAft>
+              <a:buNone/>
+            </a:pPr>
+            <a:r>
+              <a:t/>
+            </a:r>
+            <a:endParaRPr/>
+          </a:p>
+        </p:txBody>
+      </p:sp>
+    </p:spTree>
+  </p:cSld>
+  <p:clrMapOvr>
+    <a:masterClrMapping/>
+  </p:clrMapOvr>
+</p:notes>
+</file>
+
 <file path=ppt/notesSlides/notesSlide3.xml><?xml version="1.0" encoding="utf-8"?>
 <p:notes xmlns:a="http://schemas.openxmlformats.org/drawingml/2006/main" xmlns:r="http://schemas.openxmlformats.org/officeDocument/2006/relationships" xmlns:mc="http://schemas.openxmlformats.org/markup-compatibility/2006" xmlns:mv="urn:schemas-microsoft-com:mac:vml" xmlns:p="http://schemas.openxmlformats.org/presentationml/2006/main" xmlns:c="http://schemas.openxmlformats.org/drawingml/2006/chart" xmlns:dgm="http://schemas.openxmlformats.org/drawingml/2006/diagram" xmlns:o="urn:schemas-microsoft-com:office:office" xmlns:v="urn:schemas-microsoft-com:vml" xmlns:pvml="urn:schemas-microsoft-com:office:powerpoint" xmlns:com="http://schemas.openxmlformats.org/drawingml/2006/compatibility" xmlns:p14="http://schemas.microsoft.com/office/powerpoint/2010/main" xmlns:p15="http://schemas.microsoft.com/office/powerpoint/2012/main" xmlns:ahyp="http://schemas.microsoft.com/office/drawing/2018/hyperlinkcolor" showMasterPhAnim="0" showMasterSp="0">
   <p:cSld>
@@ -2309,7 +2509,7 @@
   <p:cSld>
     <p:spTree>
       <p:nvGrpSpPr>
-        <p:cNvPr id="190" name="Shape 190"/>
+        <p:cNvPr id="191" name="Shape 191"/>
         <p:cNvGrpSpPr/>
         <p:nvPr/>
       </p:nvGrpSpPr>
@@ -2323,7 +2523,7 @@
       </p:grpSpPr>
       <p:sp>
         <p:nvSpPr>
-          <p:cNvPr id="191" name="Google Shape;191;gc6f9e470d_0_80:notes"/>
+          <p:cNvPr id="192" name="Google Shape;192;gc6f9e470d_0_80:notes"/>
           <p:cNvSpPr/>
           <p:nvPr>
             <p:ph idx="2" type="sldImg"/>
@@ -2358,7 +2558,7 @@
       </p:sp>
       <p:sp>
         <p:nvSpPr>
-          <p:cNvPr id="192" name="Google Shape;192;gc6f9e470d_0_80:notes"/>
+          <p:cNvPr id="193" name="Google Shape;193;gc6f9e470d_0_80:notes"/>
           <p:cNvSpPr txBox="1"/>
           <p:nvPr>
             <p:ph idx="1" type="body"/>
@@ -2408,7 +2608,7 @@
   <p:cSld>
     <p:spTree>
       <p:nvGrpSpPr>
-        <p:cNvPr id="201" name="Shape 201"/>
+        <p:cNvPr id="202" name="Shape 202"/>
         <p:cNvGrpSpPr/>
         <p:nvPr/>
       </p:nvGrpSpPr>
@@ -2422,7 +2622,7 @@
       </p:grpSpPr>
       <p:sp>
         <p:nvSpPr>
-          <p:cNvPr id="202" name="Google Shape;202;ge4f7f3e16e_1_0:notes"/>
+          <p:cNvPr id="203" name="Google Shape;203;ge4f7f3e16e_1_0:notes"/>
           <p:cNvSpPr/>
           <p:nvPr>
             <p:ph idx="2" type="sldImg"/>
@@ -2457,7 +2657,7 @@
       </p:sp>
       <p:sp>
         <p:nvSpPr>
-          <p:cNvPr id="203" name="Google Shape;203;ge4f7f3e16e_1_0:notes"/>
+          <p:cNvPr id="204" name="Google Shape;204;ge4f7f3e16e_1_0:notes"/>
           <p:cNvSpPr txBox="1"/>
           <p:nvPr>
             <p:ph idx="1" type="body"/>
@@ -2507,7 +2707,7 @@
   <p:cSld>
     <p:spTree>
       <p:nvGrpSpPr>
-        <p:cNvPr id="207" name="Shape 207"/>
+        <p:cNvPr id="210" name="Shape 210"/>
         <p:cNvGrpSpPr/>
         <p:nvPr/>
       </p:nvGrpSpPr>
@@ -2521,7 +2721,7 @@
       </p:grpSpPr>
       <p:sp>
         <p:nvSpPr>
-          <p:cNvPr id="208" name="Google Shape;208;ge4f7f3e16e_1_26:notes"/>
+          <p:cNvPr id="211" name="Google Shape;211;ge4f7f3e16e_1_114:notes"/>
           <p:cNvSpPr/>
           <p:nvPr>
             <p:ph idx="2" type="sldImg"/>
@@ -2556,7 +2756,7 @@
       </p:sp>
       <p:sp>
         <p:nvSpPr>
-          <p:cNvPr id="209" name="Google Shape;209;ge4f7f3e16e_1_26:notes"/>
+          <p:cNvPr id="212" name="Google Shape;212;ge4f7f3e16e_1_114:notes"/>
           <p:cNvSpPr txBox="1"/>
           <p:nvPr>
             <p:ph idx="1" type="body"/>
@@ -10718,7 +10918,7 @@
   <p:cSld>
     <p:spTree>
       <p:nvGrpSpPr>
-        <p:cNvPr id="216" name="Shape 216"/>
+        <p:cNvPr id="220" name="Shape 220"/>
         <p:cNvGrpSpPr/>
         <p:nvPr/>
       </p:nvGrpSpPr>
@@ -10732,7 +10932,7 @@
       </p:grpSpPr>
       <p:pic>
         <p:nvPicPr>
-          <p:cNvPr id="217" name="Google Shape;217;p22"/>
+          <p:cNvPr id="221" name="Google Shape;221;p22"/>
           <p:cNvPicPr preferRelativeResize="0"/>
           <p:nvPr/>
         </p:nvPicPr>
@@ -10746,36 +10946,8 @@
         </p:blipFill>
         <p:spPr>
           <a:xfrm>
-            <a:off x="1635987" y="2738000"/>
-            <a:ext cx="6118550" cy="2248900"/>
-          </a:xfrm>
-          <a:prstGeom prst="rect">
-            <a:avLst/>
-          </a:prstGeom>
-          <a:noFill/>
-          <a:ln>
-            <a:noFill/>
-          </a:ln>
-        </p:spPr>
-      </p:pic>
-      <p:pic>
-        <p:nvPicPr>
-          <p:cNvPr id="218" name="Google Shape;218;p22"/>
-          <p:cNvPicPr preferRelativeResize="0"/>
-          <p:nvPr/>
-        </p:nvPicPr>
-        <p:blipFill>
-          <a:blip r:embed="rId4">
-            <a:alphaModFix/>
-          </a:blip>
-          <a:stretch>
-            <a:fillRect/>
-          </a:stretch>
-        </p:blipFill>
-        <p:spPr>
-          <a:xfrm>
-            <a:off x="1645786" y="792575"/>
-            <a:ext cx="6098975" cy="1945425"/>
+            <a:off x="276550" y="1073425"/>
+            <a:ext cx="8266599" cy="2996650"/>
           </a:xfrm>
           <a:prstGeom prst="rect">
             <a:avLst/>
@@ -10788,7 +10960,7 @@
       </p:pic>
       <p:sp>
         <p:nvSpPr>
-          <p:cNvPr id="219" name="Google Shape;219;p22"/>
+          <p:cNvPr id="222" name="Google Shape;222;p22"/>
           <p:cNvSpPr txBox="1"/>
           <p:nvPr>
             <p:ph idx="2" type="body"/>
@@ -10796,7 +10968,7 @@
         </p:nvSpPr>
         <p:spPr>
           <a:xfrm>
-            <a:off x="367425" y="230400"/>
+            <a:off x="349200" y="238225"/>
             <a:ext cx="4045200" cy="728100"/>
           </a:xfrm>
           <a:prstGeom prst="rect">
@@ -10850,7 +11022,7 @@
   <p:cSld>
     <p:spTree>
       <p:nvGrpSpPr>
-        <p:cNvPr id="223" name="Shape 223"/>
+        <p:cNvPr id="226" name="Shape 226"/>
         <p:cNvGrpSpPr/>
         <p:nvPr/>
       </p:nvGrpSpPr>
@@ -10862,30 +11034,60 @@
           <a:chExt cx="0" cy="0"/>
         </a:xfrm>
       </p:grpSpPr>
+      <p:pic>
+        <p:nvPicPr>
+          <p:cNvPr id="227" name="Google Shape;227;p23"/>
+          <p:cNvPicPr preferRelativeResize="0"/>
+          <p:nvPr/>
+        </p:nvPicPr>
+        <p:blipFill rotWithShape="1">
+          <a:blip r:embed="rId3">
+            <a:alphaModFix/>
+          </a:blip>
+          <a:srcRect b="6182" l="0" r="0" t="0"/>
+          <a:stretch/>
+        </p:blipFill>
+        <p:spPr>
+          <a:xfrm>
+            <a:off x="1454900" y="2907325"/>
+            <a:ext cx="6234199" cy="2109950"/>
+          </a:xfrm>
+          <a:prstGeom prst="rect">
+            <a:avLst/>
+          </a:prstGeom>
+          <a:noFill/>
+          <a:ln>
+            <a:noFill/>
+          </a:ln>
+        </p:spPr>
+      </p:pic>
       <p:sp>
         <p:nvSpPr>
-          <p:cNvPr id="224" name="Google Shape;224;p23"/>
+          <p:cNvPr id="228" name="Google Shape;228;p23"/>
           <p:cNvSpPr txBox="1"/>
           <p:nvPr>
-            <p:ph type="title"/>
+            <p:ph idx="2" type="body"/>
           </p:nvPr>
         </p:nvSpPr>
         <p:spPr>
           <a:xfrm>
-            <a:off x="311700" y="410000"/>
-            <a:ext cx="8520600" cy="607800"/>
+            <a:off x="367425" y="230400"/>
+            <a:ext cx="4045200" cy="728100"/>
           </a:xfrm>
           <a:prstGeom prst="rect">
             <a:avLst/>
           </a:prstGeom>
         </p:spPr>
         <p:txBody>
-          <a:bodyPr anchorCtr="0" anchor="t" bIns="91425" lIns="91425" spcFirstLastPara="1" rIns="91425" wrap="square" tIns="91425">
+          <a:bodyPr anchorCtr="0" anchor="ctr" bIns="91425" lIns="91425" spcFirstLastPara="1" rIns="91425" wrap="square" tIns="91425">
             <a:noAutofit/>
           </a:bodyPr>
           <a:lstStyle/>
           <a:p>
-            <a:pPr indent="0" lvl="0" marL="0" rtl="0" algn="l">
+            <a:pPr indent="0" lvl="0" marL="0" rtl="0" algn="ctr">
+              <a:lnSpc>
+                <a:spcPct val="100000"/>
+              </a:lnSpc>
               <a:spcBef>
                 <a:spcPts val="0"/>
               </a:spcBef>
@@ -10895,21 +11097,29 @@
               <a:buNone/>
             </a:pPr>
             <a:r>
-              <a:rPr lang="en"/>
-              <a:t>Data Preparation and Model Training</a:t>
+              <a:rPr lang="en" sz="2800">
+                <a:solidFill>
+                  <a:schemeClr val="dk1"/>
+                </a:solidFill>
+              </a:rPr>
+              <a:t>Beta-t-EGARCH</a:t>
             </a:r>
-            <a:endParaRPr sz="2600"/>
+            <a:endParaRPr sz="2800">
+              <a:solidFill>
+                <a:schemeClr val="dk1"/>
+              </a:solidFill>
+            </a:endParaRPr>
           </a:p>
         </p:txBody>
       </p:sp>
       <p:pic>
         <p:nvPicPr>
-          <p:cNvPr id="225" name="Google Shape;225;p23"/>
+          <p:cNvPr id="229" name="Google Shape;229;p23"/>
           <p:cNvPicPr preferRelativeResize="0"/>
           <p:nvPr/>
         </p:nvPicPr>
         <p:blipFill>
-          <a:blip r:embed="rId3">
+          <a:blip r:embed="rId4">
             <a:alphaModFix/>
           </a:blip>
           <a:stretch>
@@ -10918,8 +11128,8 @@
         </p:blipFill>
         <p:spPr>
           <a:xfrm>
-            <a:off x="1716800" y="1276202"/>
-            <a:ext cx="4621900" cy="3312325"/>
+            <a:off x="1524475" y="958500"/>
+            <a:ext cx="6234199" cy="1909200"/>
           </a:xfrm>
           <a:prstGeom prst="rect">
             <a:avLst/>
@@ -10943,7 +11153,100 @@
   <p:cSld>
     <p:spTree>
       <p:nvGrpSpPr>
-        <p:cNvPr id="229" name="Shape 229"/>
+        <p:cNvPr id="233" name="Shape 233"/>
+        <p:cNvGrpSpPr/>
+        <p:nvPr/>
+      </p:nvGrpSpPr>
+      <p:grpSpPr>
+        <a:xfrm>
+          <a:off x="0" y="0"/>
+          <a:ext cx="0" cy="0"/>
+          <a:chOff x="0" y="0"/>
+          <a:chExt cx="0" cy="0"/>
+        </a:xfrm>
+      </p:grpSpPr>
+      <p:sp>
+        <p:nvSpPr>
+          <p:cNvPr id="234" name="Google Shape;234;p24"/>
+          <p:cNvSpPr txBox="1"/>
+          <p:nvPr>
+            <p:ph type="title"/>
+          </p:nvPr>
+        </p:nvSpPr>
+        <p:spPr>
+          <a:xfrm>
+            <a:off x="311700" y="410000"/>
+            <a:ext cx="8520600" cy="607800"/>
+          </a:xfrm>
+          <a:prstGeom prst="rect">
+            <a:avLst/>
+          </a:prstGeom>
+        </p:spPr>
+        <p:txBody>
+          <a:bodyPr anchorCtr="0" anchor="t" bIns="91425" lIns="91425" spcFirstLastPara="1" rIns="91425" wrap="square" tIns="91425">
+            <a:noAutofit/>
+          </a:bodyPr>
+          <a:lstStyle/>
+          <a:p>
+            <a:pPr indent="0" lvl="0" marL="0" rtl="0" algn="l">
+              <a:spcBef>
+                <a:spcPts val="0"/>
+              </a:spcBef>
+              <a:spcAft>
+                <a:spcPts val="0"/>
+              </a:spcAft>
+              <a:buNone/>
+            </a:pPr>
+            <a:r>
+              <a:rPr lang="en"/>
+              <a:t>Data Preparation and Model Training</a:t>
+            </a:r>
+            <a:endParaRPr sz="2600"/>
+          </a:p>
+        </p:txBody>
+      </p:sp>
+      <p:pic>
+        <p:nvPicPr>
+          <p:cNvPr id="235" name="Google Shape;235;p24"/>
+          <p:cNvPicPr preferRelativeResize="0"/>
+          <p:nvPr/>
+        </p:nvPicPr>
+        <p:blipFill>
+          <a:blip r:embed="rId3">
+            <a:alphaModFix/>
+          </a:blip>
+          <a:stretch>
+            <a:fillRect/>
+          </a:stretch>
+        </p:blipFill>
+        <p:spPr>
+          <a:xfrm>
+            <a:off x="1716800" y="1276202"/>
+            <a:ext cx="4621900" cy="3312325"/>
+          </a:xfrm>
+          <a:prstGeom prst="rect">
+            <a:avLst/>
+          </a:prstGeom>
+          <a:noFill/>
+          <a:ln>
+            <a:noFill/>
+          </a:ln>
+        </p:spPr>
+      </p:pic>
+    </p:spTree>
+  </p:cSld>
+  <p:clrMapOvr>
+    <a:masterClrMapping/>
+  </p:clrMapOvr>
+</p:sld>
+</file>
+
+<file path=ppt/slides/slide13.xml><?xml version="1.0" encoding="utf-8"?>
+<p:sld xmlns:a="http://schemas.openxmlformats.org/drawingml/2006/main" xmlns:r="http://schemas.openxmlformats.org/officeDocument/2006/relationships" xmlns:mc="http://schemas.openxmlformats.org/markup-compatibility/2006" xmlns:mv="urn:schemas-microsoft-com:mac:vml" xmlns:p="http://schemas.openxmlformats.org/presentationml/2006/main" xmlns:c="http://schemas.openxmlformats.org/drawingml/2006/chart" xmlns:dgm="http://schemas.openxmlformats.org/drawingml/2006/diagram" xmlns:o="urn:schemas-microsoft-com:office:office" xmlns:v="urn:schemas-microsoft-com:vml" xmlns:pvml="urn:schemas-microsoft-com:office:powerpoint" xmlns:com="http://schemas.openxmlformats.org/drawingml/2006/compatibility" xmlns:p14="http://schemas.microsoft.com/office/powerpoint/2010/main" xmlns:p15="http://schemas.microsoft.com/office/powerpoint/2012/main" xmlns:ahyp="http://schemas.microsoft.com/office/drawing/2018/hyperlinkcolor">
+  <p:cSld>
+    <p:spTree>
+      <p:nvGrpSpPr>
+        <p:cNvPr id="239" name="Shape 239"/>
         <p:cNvGrpSpPr/>
         <p:nvPr/>
       </p:nvGrpSpPr>
@@ -10957,7 +11260,7 @@
       </p:grpSpPr>
       <p:pic>
         <p:nvPicPr>
-          <p:cNvPr id="230" name="Google Shape;230;p24"/>
+          <p:cNvPr id="240" name="Google Shape;240;p25"/>
           <p:cNvPicPr preferRelativeResize="0"/>
           <p:nvPr/>
         </p:nvPicPr>
@@ -10985,7 +11288,7 @@
       </p:pic>
       <p:sp>
         <p:nvSpPr>
-          <p:cNvPr id="231" name="Google Shape;231;p24"/>
+          <p:cNvPr id="241" name="Google Shape;241;p25"/>
           <p:cNvSpPr txBox="1"/>
           <p:nvPr/>
         </p:nvSpPr>
@@ -11041,12 +11344,12 @@
 </p:sld>
 </file>
 
-<file path=ppt/slides/slide13.xml><?xml version="1.0" encoding="utf-8"?>
+<file path=ppt/slides/slide14.xml><?xml version="1.0" encoding="utf-8"?>
 <p:sld xmlns:a="http://schemas.openxmlformats.org/drawingml/2006/main" xmlns:r="http://schemas.openxmlformats.org/officeDocument/2006/relationships" xmlns:mc="http://schemas.openxmlformats.org/markup-compatibility/2006" xmlns:mv="urn:schemas-microsoft-com:mac:vml" xmlns:p="http://schemas.openxmlformats.org/presentationml/2006/main" xmlns:c="http://schemas.openxmlformats.org/drawingml/2006/chart" xmlns:dgm="http://schemas.openxmlformats.org/drawingml/2006/diagram" xmlns:o="urn:schemas-microsoft-com:office:office" xmlns:v="urn:schemas-microsoft-com:vml" xmlns:pvml="urn:schemas-microsoft-com:office:powerpoint" xmlns:com="http://schemas.openxmlformats.org/drawingml/2006/compatibility" xmlns:p14="http://schemas.microsoft.com/office/powerpoint/2010/main" xmlns:p15="http://schemas.microsoft.com/office/powerpoint/2012/main" xmlns:ahyp="http://schemas.microsoft.com/office/drawing/2018/hyperlinkcolor">
   <p:cSld>
     <p:spTree>
       <p:nvGrpSpPr>
-        <p:cNvPr id="235" name="Shape 235"/>
+        <p:cNvPr id="245" name="Shape 245"/>
         <p:cNvGrpSpPr/>
         <p:nvPr/>
       </p:nvGrpSpPr>
@@ -11060,7 +11363,7 @@
       </p:grpSpPr>
       <p:sp>
         <p:nvSpPr>
-          <p:cNvPr id="236" name="Google Shape;236;p25"/>
+          <p:cNvPr id="246" name="Google Shape;246;p26"/>
           <p:cNvSpPr txBox="1"/>
           <p:nvPr>
             <p:ph type="title"/>
@@ -11108,7 +11411,7 @@
       </p:sp>
       <p:pic>
         <p:nvPicPr>
-          <p:cNvPr id="237" name="Google Shape;237;p25"/>
+          <p:cNvPr id="247" name="Google Shape;247;p26"/>
           <p:cNvPicPr preferRelativeResize="0"/>
           <p:nvPr/>
         </p:nvPicPr>
@@ -11122,204 +11425,8 @@
         </p:blipFill>
         <p:spPr>
           <a:xfrm>
-            <a:off x="1759600" y="916275"/>
-            <a:ext cx="5916483" cy="4125699"/>
-          </a:xfrm>
-          <a:prstGeom prst="rect">
-            <a:avLst/>
-          </a:prstGeom>
-          <a:noFill/>
-          <a:ln>
-            <a:noFill/>
-          </a:ln>
-        </p:spPr>
-      </p:pic>
-    </p:spTree>
-  </p:cSld>
-  <p:clrMapOvr>
-    <a:masterClrMapping/>
-  </p:clrMapOvr>
-</p:sld>
-</file>
-
-<file path=ppt/slides/slide14.xml><?xml version="1.0" encoding="utf-8"?>
-<p:sld xmlns:a="http://schemas.openxmlformats.org/drawingml/2006/main" xmlns:r="http://schemas.openxmlformats.org/officeDocument/2006/relationships" xmlns:mc="http://schemas.openxmlformats.org/markup-compatibility/2006" xmlns:mv="urn:schemas-microsoft-com:mac:vml" xmlns:p="http://schemas.openxmlformats.org/presentationml/2006/main" xmlns:c="http://schemas.openxmlformats.org/drawingml/2006/chart" xmlns:dgm="http://schemas.openxmlformats.org/drawingml/2006/diagram" xmlns:o="urn:schemas-microsoft-com:office:office" xmlns:v="urn:schemas-microsoft-com:vml" xmlns:pvml="urn:schemas-microsoft-com:office:powerpoint" xmlns:com="http://schemas.openxmlformats.org/drawingml/2006/compatibility" xmlns:p14="http://schemas.microsoft.com/office/powerpoint/2010/main" xmlns:p15="http://schemas.microsoft.com/office/powerpoint/2012/main" xmlns:ahyp="http://schemas.microsoft.com/office/drawing/2018/hyperlinkcolor">
-  <p:cSld>
-    <p:spTree>
-      <p:nvGrpSpPr>
-        <p:cNvPr id="241" name="Shape 241"/>
-        <p:cNvGrpSpPr/>
-        <p:nvPr/>
-      </p:nvGrpSpPr>
-      <p:grpSpPr>
-        <a:xfrm>
-          <a:off x="0" y="0"/>
-          <a:ext cx="0" cy="0"/>
-          <a:chOff x="0" y="0"/>
-          <a:chExt cx="0" cy="0"/>
-        </a:xfrm>
-      </p:grpSpPr>
-      <p:sp>
-        <p:nvSpPr>
-          <p:cNvPr id="242" name="Google Shape;242;p26"/>
-          <p:cNvSpPr txBox="1"/>
-          <p:nvPr>
-            <p:ph type="title"/>
-          </p:nvPr>
-        </p:nvSpPr>
-        <p:spPr>
-          <a:xfrm>
-            <a:off x="460950" y="579725"/>
-            <a:ext cx="5952300" cy="838800"/>
-          </a:xfrm>
-          <a:prstGeom prst="rect">
-            <a:avLst/>
-          </a:prstGeom>
-        </p:spPr>
-        <p:txBody>
-          <a:bodyPr anchorCtr="0" anchor="ctr" bIns="91425" lIns="91425" spcFirstLastPara="1" rIns="91425" wrap="square" tIns="91425">
-            <a:noAutofit/>
-          </a:bodyPr>
-          <a:lstStyle/>
-          <a:p>
-            <a:pPr indent="0" lvl="0" marL="0" rtl="0" algn="l">
-              <a:spcBef>
-                <a:spcPts val="0"/>
-              </a:spcBef>
-              <a:spcAft>
-                <a:spcPts val="0"/>
-              </a:spcAft>
-              <a:buNone/>
-            </a:pPr>
-            <a:r>
-              <a:rPr lang="en" sz="2900"/>
-              <a:t>Results of Back Tested Data and Real Time Performance</a:t>
-            </a:r>
-            <a:endParaRPr sz="2900"/>
-          </a:p>
-        </p:txBody>
-      </p:sp>
-      <p:pic>
-        <p:nvPicPr>
-          <p:cNvPr id="243" name="Google Shape;243;p26"/>
-          <p:cNvPicPr preferRelativeResize="0"/>
-          <p:nvPr/>
-        </p:nvPicPr>
-        <p:blipFill>
-          <a:blip r:embed="rId3">
-            <a:alphaModFix/>
-          </a:blip>
-          <a:stretch>
-            <a:fillRect/>
-          </a:stretch>
-        </p:blipFill>
-        <p:spPr>
-          <a:xfrm>
-            <a:off x="460950" y="1469598"/>
-            <a:ext cx="2753799" cy="1666100"/>
-          </a:xfrm>
-          <a:prstGeom prst="rect">
-            <a:avLst/>
-          </a:prstGeom>
-          <a:noFill/>
-          <a:ln>
-            <a:noFill/>
-          </a:ln>
-        </p:spPr>
-      </p:pic>
-      <p:pic>
-        <p:nvPicPr>
-          <p:cNvPr id="244" name="Google Shape;244;p26"/>
-          <p:cNvPicPr preferRelativeResize="0"/>
-          <p:nvPr/>
-        </p:nvPicPr>
-        <p:blipFill>
-          <a:blip r:embed="rId4">
-            <a:alphaModFix/>
-          </a:blip>
-          <a:stretch>
-            <a:fillRect/>
-          </a:stretch>
-        </p:blipFill>
-        <p:spPr>
-          <a:xfrm>
-            <a:off x="2792227" y="3272525"/>
-            <a:ext cx="6066999" cy="1666100"/>
-          </a:xfrm>
-          <a:prstGeom prst="rect">
-            <a:avLst/>
-          </a:prstGeom>
-          <a:noFill/>
-          <a:ln>
-            <a:noFill/>
-          </a:ln>
-        </p:spPr>
-      </p:pic>
-      <p:sp>
-        <p:nvSpPr>
-          <p:cNvPr id="245" name="Google Shape;245;p26"/>
-          <p:cNvSpPr/>
-          <p:nvPr/>
-        </p:nvSpPr>
-        <p:spPr>
-          <a:xfrm>
-            <a:off x="8131525" y="3417125"/>
-            <a:ext cx="654000" cy="1444800"/>
-          </a:xfrm>
-          <a:prstGeom prst="rect">
-            <a:avLst/>
-          </a:prstGeom>
-          <a:noFill/>
-          <a:ln cap="flat" cmpd="sng" w="9525">
-            <a:solidFill>
-              <a:srgbClr val="FF0000"/>
-            </a:solidFill>
-            <a:prstDash val="solid"/>
-            <a:round/>
-            <a:headEnd len="sm" w="sm" type="none"/>
-            <a:tailEnd len="sm" w="sm" type="none"/>
-          </a:ln>
-        </p:spPr>
-        <p:txBody>
-          <a:bodyPr anchorCtr="0" anchor="ctr" bIns="91425" lIns="91425" spcFirstLastPara="1" rIns="91425" wrap="square" tIns="91425">
-            <a:noAutofit/>
-          </a:bodyPr>
-          <a:lstStyle/>
-          <a:p>
-            <a:pPr indent="0" lvl="0" marL="0" rtl="0" algn="l">
-              <a:spcBef>
-                <a:spcPts val="0"/>
-              </a:spcBef>
-              <a:spcAft>
-                <a:spcPts val="0"/>
-              </a:spcAft>
-              <a:buNone/>
-            </a:pPr>
-            <a:r>
-              <a:t/>
-            </a:r>
-            <a:endParaRPr/>
-          </a:p>
-        </p:txBody>
-      </p:sp>
-      <p:pic>
-        <p:nvPicPr>
-          <p:cNvPr id="246" name="Google Shape;246;p26"/>
-          <p:cNvPicPr preferRelativeResize="0"/>
-          <p:nvPr/>
-        </p:nvPicPr>
-        <p:blipFill>
-          <a:blip r:embed="rId5">
-            <a:alphaModFix/>
-          </a:blip>
-          <a:stretch>
-            <a:fillRect/>
-          </a:stretch>
-        </p:blipFill>
-        <p:spPr>
-          <a:xfrm>
-            <a:off x="4113974" y="1654527"/>
-            <a:ext cx="3894200" cy="1296250"/>
+            <a:off x="1721225" y="1017800"/>
+            <a:ext cx="5701548" cy="3975824"/>
           </a:xfrm>
           <a:prstGeom prst="rect">
             <a:avLst/>
@@ -11343,7 +11450,7 @@
   <p:cSld>
     <p:spTree>
       <p:nvGrpSpPr>
-        <p:cNvPr id="250" name="Shape 250"/>
+        <p:cNvPr id="251" name="Shape 251"/>
         <p:cNvGrpSpPr/>
         <p:nvPr/>
       </p:nvGrpSpPr>
@@ -11357,7 +11464,203 @@
       </p:grpSpPr>
       <p:sp>
         <p:nvSpPr>
-          <p:cNvPr id="251" name="Google Shape;251;p27"/>
+          <p:cNvPr id="252" name="Google Shape;252;p27"/>
+          <p:cNvSpPr txBox="1"/>
+          <p:nvPr>
+            <p:ph type="title"/>
+          </p:nvPr>
+        </p:nvSpPr>
+        <p:spPr>
+          <a:xfrm>
+            <a:off x="460950" y="579725"/>
+            <a:ext cx="5952300" cy="838800"/>
+          </a:xfrm>
+          <a:prstGeom prst="rect">
+            <a:avLst/>
+          </a:prstGeom>
+        </p:spPr>
+        <p:txBody>
+          <a:bodyPr anchorCtr="0" anchor="ctr" bIns="91425" lIns="91425" spcFirstLastPara="1" rIns="91425" wrap="square" tIns="91425">
+            <a:noAutofit/>
+          </a:bodyPr>
+          <a:lstStyle/>
+          <a:p>
+            <a:pPr indent="0" lvl="0" marL="0" rtl="0" algn="l">
+              <a:spcBef>
+                <a:spcPts val="0"/>
+              </a:spcBef>
+              <a:spcAft>
+                <a:spcPts val="0"/>
+              </a:spcAft>
+              <a:buNone/>
+            </a:pPr>
+            <a:r>
+              <a:rPr lang="en" sz="2900"/>
+              <a:t>Results of Back Tested Data and Real Time Performance</a:t>
+            </a:r>
+            <a:endParaRPr sz="2900"/>
+          </a:p>
+        </p:txBody>
+      </p:sp>
+      <p:pic>
+        <p:nvPicPr>
+          <p:cNvPr id="253" name="Google Shape;253;p27"/>
+          <p:cNvPicPr preferRelativeResize="0"/>
+          <p:nvPr/>
+        </p:nvPicPr>
+        <p:blipFill>
+          <a:blip r:embed="rId3">
+            <a:alphaModFix/>
+          </a:blip>
+          <a:stretch>
+            <a:fillRect/>
+          </a:stretch>
+        </p:blipFill>
+        <p:spPr>
+          <a:xfrm>
+            <a:off x="460950" y="1469598"/>
+            <a:ext cx="2753799" cy="1666100"/>
+          </a:xfrm>
+          <a:prstGeom prst="rect">
+            <a:avLst/>
+          </a:prstGeom>
+          <a:noFill/>
+          <a:ln>
+            <a:noFill/>
+          </a:ln>
+        </p:spPr>
+      </p:pic>
+      <p:pic>
+        <p:nvPicPr>
+          <p:cNvPr id="254" name="Google Shape;254;p27"/>
+          <p:cNvPicPr preferRelativeResize="0"/>
+          <p:nvPr/>
+        </p:nvPicPr>
+        <p:blipFill>
+          <a:blip r:embed="rId4">
+            <a:alphaModFix/>
+          </a:blip>
+          <a:stretch>
+            <a:fillRect/>
+          </a:stretch>
+        </p:blipFill>
+        <p:spPr>
+          <a:xfrm>
+            <a:off x="2792227" y="3272525"/>
+            <a:ext cx="6066999" cy="1666100"/>
+          </a:xfrm>
+          <a:prstGeom prst="rect">
+            <a:avLst/>
+          </a:prstGeom>
+          <a:noFill/>
+          <a:ln>
+            <a:noFill/>
+          </a:ln>
+        </p:spPr>
+      </p:pic>
+      <p:sp>
+        <p:nvSpPr>
+          <p:cNvPr id="255" name="Google Shape;255;p27"/>
+          <p:cNvSpPr/>
+          <p:nvPr/>
+        </p:nvSpPr>
+        <p:spPr>
+          <a:xfrm>
+            <a:off x="8131525" y="3417125"/>
+            <a:ext cx="654000" cy="1444800"/>
+          </a:xfrm>
+          <a:prstGeom prst="rect">
+            <a:avLst/>
+          </a:prstGeom>
+          <a:noFill/>
+          <a:ln cap="flat" cmpd="sng" w="9525">
+            <a:solidFill>
+              <a:srgbClr val="FF0000"/>
+            </a:solidFill>
+            <a:prstDash val="solid"/>
+            <a:round/>
+            <a:headEnd len="sm" w="sm" type="none"/>
+            <a:tailEnd len="sm" w="sm" type="none"/>
+          </a:ln>
+        </p:spPr>
+        <p:txBody>
+          <a:bodyPr anchorCtr="0" anchor="ctr" bIns="91425" lIns="91425" spcFirstLastPara="1" rIns="91425" wrap="square" tIns="91425">
+            <a:noAutofit/>
+          </a:bodyPr>
+          <a:lstStyle/>
+          <a:p>
+            <a:pPr indent="0" lvl="0" marL="0" rtl="0" algn="l">
+              <a:spcBef>
+                <a:spcPts val="0"/>
+              </a:spcBef>
+              <a:spcAft>
+                <a:spcPts val="0"/>
+              </a:spcAft>
+              <a:buNone/>
+            </a:pPr>
+            <a:r>
+              <a:t/>
+            </a:r>
+            <a:endParaRPr/>
+          </a:p>
+        </p:txBody>
+      </p:sp>
+      <p:pic>
+        <p:nvPicPr>
+          <p:cNvPr id="256" name="Google Shape;256;p27"/>
+          <p:cNvPicPr preferRelativeResize="0"/>
+          <p:nvPr/>
+        </p:nvPicPr>
+        <p:blipFill>
+          <a:blip r:embed="rId5">
+            <a:alphaModFix/>
+          </a:blip>
+          <a:stretch>
+            <a:fillRect/>
+          </a:stretch>
+        </p:blipFill>
+        <p:spPr>
+          <a:xfrm>
+            <a:off x="4113974" y="1654527"/>
+            <a:ext cx="3894200" cy="1296250"/>
+          </a:xfrm>
+          <a:prstGeom prst="rect">
+            <a:avLst/>
+          </a:prstGeom>
+          <a:noFill/>
+          <a:ln>
+            <a:noFill/>
+          </a:ln>
+        </p:spPr>
+      </p:pic>
+    </p:spTree>
+  </p:cSld>
+  <p:clrMapOvr>
+    <a:masterClrMapping/>
+  </p:clrMapOvr>
+</p:sld>
+</file>
+
+<file path=ppt/slides/slide16.xml><?xml version="1.0" encoding="utf-8"?>
+<p:sld xmlns:a="http://schemas.openxmlformats.org/drawingml/2006/main" xmlns:r="http://schemas.openxmlformats.org/officeDocument/2006/relationships" xmlns:mc="http://schemas.openxmlformats.org/markup-compatibility/2006" xmlns:mv="urn:schemas-microsoft-com:mac:vml" xmlns:p="http://schemas.openxmlformats.org/presentationml/2006/main" xmlns:c="http://schemas.openxmlformats.org/drawingml/2006/chart" xmlns:dgm="http://schemas.openxmlformats.org/drawingml/2006/diagram" xmlns:o="urn:schemas-microsoft-com:office:office" xmlns:v="urn:schemas-microsoft-com:vml" xmlns:pvml="urn:schemas-microsoft-com:office:powerpoint" xmlns:com="http://schemas.openxmlformats.org/drawingml/2006/compatibility" xmlns:p14="http://schemas.microsoft.com/office/powerpoint/2010/main" xmlns:p15="http://schemas.microsoft.com/office/powerpoint/2012/main" xmlns:ahyp="http://schemas.microsoft.com/office/drawing/2018/hyperlinkcolor">
+  <p:cSld>
+    <p:spTree>
+      <p:nvGrpSpPr>
+        <p:cNvPr id="260" name="Shape 260"/>
+        <p:cNvGrpSpPr/>
+        <p:nvPr/>
+      </p:nvGrpSpPr>
+      <p:grpSpPr>
+        <a:xfrm>
+          <a:off x="0" y="0"/>
+          <a:ext cx="0" cy="0"/>
+          <a:chOff x="0" y="0"/>
+          <a:chExt cx="0" cy="0"/>
+        </a:xfrm>
+      </p:grpSpPr>
+      <p:sp>
+        <p:nvSpPr>
+          <p:cNvPr id="261" name="Google Shape;261;p28"/>
           <p:cNvSpPr txBox="1"/>
           <p:nvPr>
             <p:ph type="title"/>
@@ -11397,7 +11700,7 @@
       </p:sp>
       <p:sp>
         <p:nvSpPr>
-          <p:cNvPr id="252" name="Google Shape;252;p27"/>
+          <p:cNvPr id="262" name="Google Shape;262;p28"/>
           <p:cNvSpPr/>
           <p:nvPr/>
         </p:nvSpPr>
@@ -11451,11 +11754,35 @@
               </a:solidFill>
             </a:endParaRPr>
           </a:p>
+          <a:p>
+            <a:pPr indent="0" lvl="0" marL="0" rtl="0" algn="ctr">
+              <a:spcBef>
+                <a:spcPts val="0"/>
+              </a:spcBef>
+              <a:spcAft>
+                <a:spcPts val="0"/>
+              </a:spcAft>
+              <a:buNone/>
+            </a:pPr>
+            <a:r>
+              <a:rPr b="1" lang="en" sz="1600">
+                <a:solidFill>
+                  <a:schemeClr val="dk1"/>
+                </a:solidFill>
+              </a:rPr>
+              <a:t>Trades</a:t>
+            </a:r>
+            <a:endParaRPr b="1" sz="1600">
+              <a:solidFill>
+                <a:schemeClr val="dk1"/>
+              </a:solidFill>
+            </a:endParaRPr>
+          </a:p>
         </p:txBody>
       </p:sp>
       <p:sp>
         <p:nvSpPr>
-          <p:cNvPr id="253" name="Google Shape;253;p27"/>
+          <p:cNvPr id="263" name="Google Shape;263;p28"/>
           <p:cNvSpPr/>
           <p:nvPr/>
         </p:nvSpPr>
@@ -11525,7 +11852,7 @@
                   <a:schemeClr val="dk1"/>
                 </a:solidFill>
               </a:rPr>
-              <a:t>Model</a:t>
+              <a:t>ML Model</a:t>
             </a:r>
             <a:endParaRPr b="1" sz="1600">
               <a:solidFill>
@@ -11537,7 +11864,7 @@
       </p:sp>
       <p:sp>
         <p:nvSpPr>
-          <p:cNvPr id="254" name="Google Shape;254;p27"/>
+          <p:cNvPr id="264" name="Google Shape;264;p28"/>
           <p:cNvSpPr/>
           <p:nvPr/>
         </p:nvSpPr>
@@ -11643,7 +11970,7 @@
       </p:sp>
       <p:sp>
         <p:nvSpPr>
-          <p:cNvPr id="255" name="Google Shape;255;p27"/>
+          <p:cNvPr id="265" name="Google Shape;265;p28"/>
           <p:cNvSpPr/>
           <p:nvPr/>
         </p:nvSpPr>
@@ -11693,7 +12020,7 @@
       </p:sp>
       <p:sp>
         <p:nvSpPr>
-          <p:cNvPr id="256" name="Google Shape;256;p27"/>
+          <p:cNvPr id="266" name="Google Shape;266;p28"/>
           <p:cNvSpPr/>
           <p:nvPr/>
         </p:nvSpPr>
@@ -11743,7 +12070,7 @@
       </p:sp>
       <p:sp>
         <p:nvSpPr>
-          <p:cNvPr id="257" name="Google Shape;257;p27"/>
+          <p:cNvPr id="267" name="Google Shape;267;p28"/>
           <p:cNvSpPr/>
           <p:nvPr/>
         </p:nvSpPr>
@@ -11793,7 +12120,7 @@
       </p:sp>
       <p:sp>
         <p:nvSpPr>
-          <p:cNvPr id="258" name="Google Shape;258;p27"/>
+          <p:cNvPr id="268" name="Google Shape;268;p28"/>
           <p:cNvSpPr txBox="1"/>
           <p:nvPr/>
         </p:nvSpPr>
@@ -11883,14 +12210,14 @@
       </p:sp>
       <p:sp>
         <p:nvSpPr>
-          <p:cNvPr id="259" name="Google Shape;259;p27"/>
+          <p:cNvPr id="269" name="Google Shape;269;p28"/>
           <p:cNvSpPr txBox="1"/>
           <p:nvPr/>
         </p:nvSpPr>
         <p:spPr>
           <a:xfrm>
             <a:off x="1759500" y="2794350"/>
-            <a:ext cx="942600" cy="615600"/>
+            <a:ext cx="942600" cy="831300"/>
           </a:xfrm>
           <a:prstGeom prst="rect">
             <a:avLst/>
@@ -11969,11 +12296,43 @@
               <a:sym typeface="Roboto"/>
             </a:endParaRPr>
           </a:p>
+          <a:p>
+            <a:pPr indent="0" lvl="0" marL="0" rtl="0" algn="ctr">
+              <a:spcBef>
+                <a:spcPts val="0"/>
+              </a:spcBef>
+              <a:spcAft>
+                <a:spcPts val="0"/>
+              </a:spcAft>
+              <a:buNone/>
+            </a:pPr>
+            <a:r>
+              <a:rPr b="1" lang="en">
+                <a:solidFill>
+                  <a:schemeClr val="dk1"/>
+                </a:solidFill>
+                <a:latin typeface="Roboto"/>
+                <a:ea typeface="Roboto"/>
+                <a:cs typeface="Roboto"/>
+                <a:sym typeface="Roboto"/>
+              </a:rPr>
+              <a:t>API</a:t>
+            </a:r>
+            <a:endParaRPr b="1">
+              <a:solidFill>
+                <a:schemeClr val="dk1"/>
+              </a:solidFill>
+              <a:latin typeface="Roboto"/>
+              <a:ea typeface="Roboto"/>
+              <a:cs typeface="Roboto"/>
+              <a:sym typeface="Roboto"/>
+            </a:endParaRPr>
+          </a:p>
         </p:txBody>
       </p:sp>
       <p:sp>
         <p:nvSpPr>
-          <p:cNvPr id="260" name="Google Shape;260;p27"/>
+          <p:cNvPr id="270" name="Google Shape;270;p28"/>
           <p:cNvSpPr txBox="1"/>
           <p:nvPr/>
         </p:nvSpPr>
@@ -12069,12 +12428,12 @@
 </p:sld>
 </file>
 
-<file path=ppt/slides/slide16.xml><?xml version="1.0" encoding="utf-8"?>
+<file path=ppt/slides/slide17.xml><?xml version="1.0" encoding="utf-8"?>
 <p:sld xmlns:a="http://schemas.openxmlformats.org/drawingml/2006/main" xmlns:r="http://schemas.openxmlformats.org/officeDocument/2006/relationships" xmlns:mc="http://schemas.openxmlformats.org/markup-compatibility/2006" xmlns:mv="urn:schemas-microsoft-com:mac:vml" xmlns:p="http://schemas.openxmlformats.org/presentationml/2006/main" xmlns:c="http://schemas.openxmlformats.org/drawingml/2006/chart" xmlns:dgm="http://schemas.openxmlformats.org/drawingml/2006/diagram" xmlns:o="urn:schemas-microsoft-com:office:office" xmlns:v="urn:schemas-microsoft-com:vml" xmlns:pvml="urn:schemas-microsoft-com:office:powerpoint" xmlns:com="http://schemas.openxmlformats.org/drawingml/2006/compatibility" xmlns:p14="http://schemas.microsoft.com/office/powerpoint/2010/main" xmlns:p15="http://schemas.microsoft.com/office/powerpoint/2012/main" xmlns:ahyp="http://schemas.microsoft.com/office/drawing/2018/hyperlinkcolor">
   <p:cSld>
     <p:spTree>
       <p:nvGrpSpPr>
-        <p:cNvPr id="264" name="Shape 264"/>
+        <p:cNvPr id="274" name="Shape 274"/>
         <p:cNvGrpSpPr/>
         <p:nvPr/>
       </p:nvGrpSpPr>
@@ -12088,7 +12447,7 @@
       </p:grpSpPr>
       <p:sp>
         <p:nvSpPr>
-          <p:cNvPr id="265" name="Google Shape;265;p28"/>
+          <p:cNvPr id="275" name="Google Shape;275;p29"/>
           <p:cNvSpPr txBox="1"/>
           <p:nvPr>
             <p:ph type="title"/>
@@ -12128,7 +12487,7 @@
       </p:sp>
       <p:sp>
         <p:nvSpPr>
-          <p:cNvPr id="266" name="Google Shape;266;p28"/>
+          <p:cNvPr id="276" name="Google Shape;276;p29"/>
           <p:cNvSpPr/>
           <p:nvPr/>
         </p:nvSpPr>
@@ -12182,11 +12541,35 @@
               </a:solidFill>
             </a:endParaRPr>
           </a:p>
+          <a:p>
+            <a:pPr indent="0" lvl="0" marL="0" rtl="0" algn="ctr">
+              <a:spcBef>
+                <a:spcPts val="0"/>
+              </a:spcBef>
+              <a:spcAft>
+                <a:spcPts val="0"/>
+              </a:spcAft>
+              <a:buNone/>
+            </a:pPr>
+            <a:r>
+              <a:rPr b="1" lang="en" sz="1600">
+                <a:solidFill>
+                  <a:schemeClr val="dk1"/>
+                </a:solidFill>
+              </a:rPr>
+              <a:t>Trades</a:t>
+            </a:r>
+            <a:endParaRPr b="1" sz="1600">
+              <a:solidFill>
+                <a:schemeClr val="dk1"/>
+              </a:solidFill>
+            </a:endParaRPr>
+          </a:p>
         </p:txBody>
       </p:sp>
       <p:sp>
         <p:nvSpPr>
-          <p:cNvPr id="267" name="Google Shape;267;p28"/>
+          <p:cNvPr id="277" name="Google Shape;277;p29"/>
           <p:cNvSpPr/>
           <p:nvPr/>
         </p:nvSpPr>
@@ -12256,7 +12639,7 @@
                   <a:schemeClr val="dk1"/>
                 </a:solidFill>
               </a:rPr>
-              <a:t>Model</a:t>
+              <a:t>ML Model</a:t>
             </a:r>
             <a:endParaRPr b="1" sz="1600">
               <a:solidFill>
@@ -12268,7 +12651,7 @@
       </p:sp>
       <p:sp>
         <p:nvSpPr>
-          <p:cNvPr id="268" name="Google Shape;268;p28"/>
+          <p:cNvPr id="278" name="Google Shape;278;p29"/>
           <p:cNvSpPr/>
           <p:nvPr/>
         </p:nvSpPr>
@@ -12322,11 +12705,35 @@
               </a:solidFill>
             </a:endParaRPr>
           </a:p>
+          <a:p>
+            <a:pPr indent="0" lvl="0" marL="0" rtl="0" algn="ctr">
+              <a:spcBef>
+                <a:spcPts val="0"/>
+              </a:spcBef>
+              <a:spcAft>
+                <a:spcPts val="0"/>
+              </a:spcAft>
+              <a:buNone/>
+            </a:pPr>
+            <a:r>
+              <a:rPr b="1" lang="en" sz="1600">
+                <a:solidFill>
+                  <a:schemeClr val="dk1"/>
+                </a:solidFill>
+              </a:rPr>
+              <a:t>Ticker Value</a:t>
+            </a:r>
+            <a:endParaRPr b="1" sz="1600">
+              <a:solidFill>
+                <a:schemeClr val="dk1"/>
+              </a:solidFill>
+            </a:endParaRPr>
+          </a:p>
         </p:txBody>
       </p:sp>
       <p:sp>
         <p:nvSpPr>
-          <p:cNvPr id="269" name="Google Shape;269;p28"/>
+          <p:cNvPr id="279" name="Google Shape;279;p29"/>
           <p:cNvSpPr/>
           <p:nvPr/>
         </p:nvSpPr>
@@ -12376,7 +12783,7 @@
       </p:sp>
       <p:sp>
         <p:nvSpPr>
-          <p:cNvPr id="270" name="Google Shape;270;p28"/>
+          <p:cNvPr id="280" name="Google Shape;280;p29"/>
           <p:cNvSpPr/>
           <p:nvPr/>
         </p:nvSpPr>
@@ -12426,7 +12833,7 @@
       </p:sp>
       <p:sp>
         <p:nvSpPr>
-          <p:cNvPr id="271" name="Google Shape;271;p28"/>
+          <p:cNvPr id="281" name="Google Shape;281;p29"/>
           <p:cNvSpPr/>
           <p:nvPr/>
         </p:nvSpPr>
@@ -12476,7 +12883,7 @@
       </p:sp>
       <p:sp>
         <p:nvSpPr>
-          <p:cNvPr id="272" name="Google Shape;272;p28"/>
+          <p:cNvPr id="282" name="Google Shape;282;p29"/>
           <p:cNvSpPr/>
           <p:nvPr/>
         </p:nvSpPr>
@@ -12526,7 +12933,7 @@
       </p:sp>
       <p:sp>
         <p:nvSpPr>
-          <p:cNvPr id="273" name="Google Shape;273;p28"/>
+          <p:cNvPr id="283" name="Google Shape;283;p29"/>
           <p:cNvSpPr/>
           <p:nvPr/>
         </p:nvSpPr>
@@ -12630,6 +13037,430 @@
           </a:p>
         </p:txBody>
       </p:sp>
+      <p:sp>
+        <p:nvSpPr>
+          <p:cNvPr id="284" name="Google Shape;284;p29"/>
+          <p:cNvSpPr txBox="1"/>
+          <p:nvPr/>
+        </p:nvSpPr>
+        <p:spPr>
+          <a:xfrm>
+            <a:off x="1268725" y="3927625"/>
+            <a:ext cx="1321500" cy="831300"/>
+          </a:xfrm>
+          <a:prstGeom prst="rect">
+            <a:avLst/>
+          </a:prstGeom>
+          <a:noFill/>
+          <a:ln>
+            <a:noFill/>
+          </a:ln>
+        </p:spPr>
+        <p:txBody>
+          <a:bodyPr anchorCtr="0" anchor="t" bIns="91425" lIns="91425" spcFirstLastPara="1" rIns="91425" wrap="square" tIns="91425">
+            <a:spAutoFit/>
+          </a:bodyPr>
+          <a:lstStyle/>
+          <a:p>
+            <a:pPr indent="0" lvl="0" marL="0" rtl="0" algn="ctr">
+              <a:spcBef>
+                <a:spcPts val="0"/>
+              </a:spcBef>
+              <a:spcAft>
+                <a:spcPts val="0"/>
+              </a:spcAft>
+              <a:buNone/>
+            </a:pPr>
+            <a:r>
+              <a:rPr b="1" lang="en">
+                <a:solidFill>
+                  <a:schemeClr val="dk1"/>
+                </a:solidFill>
+                <a:latin typeface="Roboto"/>
+                <a:ea typeface="Roboto"/>
+                <a:cs typeface="Roboto"/>
+                <a:sym typeface="Roboto"/>
+              </a:rPr>
+              <a:t>Websocket</a:t>
+            </a:r>
+            <a:endParaRPr b="1">
+              <a:solidFill>
+                <a:schemeClr val="dk1"/>
+              </a:solidFill>
+              <a:latin typeface="Roboto"/>
+              <a:ea typeface="Roboto"/>
+              <a:cs typeface="Roboto"/>
+              <a:sym typeface="Roboto"/>
+            </a:endParaRPr>
+          </a:p>
+          <a:p>
+            <a:pPr indent="0" lvl="0" marL="0" rtl="0" algn="ctr">
+              <a:spcBef>
+                <a:spcPts val="0"/>
+              </a:spcBef>
+              <a:spcAft>
+                <a:spcPts val="0"/>
+              </a:spcAft>
+              <a:buNone/>
+            </a:pPr>
+            <a:r>
+              <a:rPr b="1" lang="en">
+                <a:solidFill>
+                  <a:schemeClr val="dk1"/>
+                </a:solidFill>
+                <a:latin typeface="Roboto"/>
+                <a:ea typeface="Roboto"/>
+                <a:cs typeface="Roboto"/>
+                <a:sym typeface="Roboto"/>
+              </a:rPr>
+              <a:t>Intraday</a:t>
+            </a:r>
+            <a:endParaRPr b="1">
+              <a:solidFill>
+                <a:schemeClr val="dk1"/>
+              </a:solidFill>
+              <a:latin typeface="Roboto"/>
+              <a:ea typeface="Roboto"/>
+              <a:cs typeface="Roboto"/>
+              <a:sym typeface="Roboto"/>
+            </a:endParaRPr>
+          </a:p>
+          <a:p>
+            <a:pPr indent="0" lvl="0" marL="0" rtl="0" algn="ctr">
+              <a:spcBef>
+                <a:spcPts val="0"/>
+              </a:spcBef>
+              <a:spcAft>
+                <a:spcPts val="0"/>
+              </a:spcAft>
+              <a:buNone/>
+            </a:pPr>
+            <a:r>
+              <a:rPr b="1" lang="en">
+                <a:solidFill>
+                  <a:schemeClr val="dk1"/>
+                </a:solidFill>
+                <a:latin typeface="Roboto"/>
+                <a:ea typeface="Roboto"/>
+                <a:cs typeface="Roboto"/>
+                <a:sym typeface="Roboto"/>
+              </a:rPr>
+              <a:t>Ticker Value</a:t>
+            </a:r>
+            <a:endParaRPr b="1">
+              <a:solidFill>
+                <a:schemeClr val="dk1"/>
+              </a:solidFill>
+              <a:latin typeface="Roboto"/>
+              <a:ea typeface="Roboto"/>
+              <a:cs typeface="Roboto"/>
+              <a:sym typeface="Roboto"/>
+            </a:endParaRPr>
+          </a:p>
+        </p:txBody>
+      </p:sp>
+      <p:sp>
+        <p:nvSpPr>
+          <p:cNvPr id="285" name="Google Shape;285;p29"/>
+          <p:cNvSpPr txBox="1"/>
+          <p:nvPr/>
+        </p:nvSpPr>
+        <p:spPr>
+          <a:xfrm>
+            <a:off x="6941100" y="3784950"/>
+            <a:ext cx="942600" cy="831300"/>
+          </a:xfrm>
+          <a:prstGeom prst="rect">
+            <a:avLst/>
+          </a:prstGeom>
+          <a:noFill/>
+          <a:ln>
+            <a:noFill/>
+          </a:ln>
+        </p:spPr>
+        <p:txBody>
+          <a:bodyPr anchorCtr="0" anchor="t" bIns="91425" lIns="91425" spcFirstLastPara="1" rIns="91425" wrap="square" tIns="91425">
+            <a:spAutoFit/>
+          </a:bodyPr>
+          <a:lstStyle/>
+          <a:p>
+            <a:pPr indent="0" lvl="0" marL="0" rtl="0" algn="ctr">
+              <a:spcBef>
+                <a:spcPts val="0"/>
+              </a:spcBef>
+              <a:spcAft>
+                <a:spcPts val="0"/>
+              </a:spcAft>
+              <a:buNone/>
+            </a:pPr>
+            <a:r>
+              <a:rPr b="1" lang="en">
+                <a:solidFill>
+                  <a:schemeClr val="dk1"/>
+                </a:solidFill>
+                <a:latin typeface="Roboto"/>
+                <a:ea typeface="Roboto"/>
+                <a:cs typeface="Roboto"/>
+                <a:sym typeface="Roboto"/>
+              </a:rPr>
+              <a:t>Buy/Sell</a:t>
+            </a:r>
+            <a:endParaRPr b="1">
+              <a:solidFill>
+                <a:schemeClr val="dk1"/>
+              </a:solidFill>
+              <a:latin typeface="Roboto"/>
+              <a:ea typeface="Roboto"/>
+              <a:cs typeface="Roboto"/>
+              <a:sym typeface="Roboto"/>
+            </a:endParaRPr>
+          </a:p>
+          <a:p>
+            <a:pPr indent="0" lvl="0" marL="0" rtl="0" algn="ctr">
+              <a:spcBef>
+                <a:spcPts val="0"/>
+              </a:spcBef>
+              <a:spcAft>
+                <a:spcPts val="0"/>
+              </a:spcAft>
+              <a:buNone/>
+            </a:pPr>
+            <a:r>
+              <a:rPr b="1" lang="en">
+                <a:solidFill>
+                  <a:schemeClr val="dk1"/>
+                </a:solidFill>
+                <a:latin typeface="Roboto"/>
+                <a:ea typeface="Roboto"/>
+                <a:cs typeface="Roboto"/>
+                <a:sym typeface="Roboto"/>
+              </a:rPr>
+              <a:t>Orders</a:t>
+            </a:r>
+            <a:endParaRPr b="1">
+              <a:solidFill>
+                <a:schemeClr val="dk1"/>
+              </a:solidFill>
+              <a:latin typeface="Roboto"/>
+              <a:ea typeface="Roboto"/>
+              <a:cs typeface="Roboto"/>
+              <a:sym typeface="Roboto"/>
+            </a:endParaRPr>
+          </a:p>
+          <a:p>
+            <a:pPr indent="0" lvl="0" marL="0" rtl="0" algn="ctr">
+              <a:spcBef>
+                <a:spcPts val="0"/>
+              </a:spcBef>
+              <a:spcAft>
+                <a:spcPts val="0"/>
+              </a:spcAft>
+              <a:buNone/>
+            </a:pPr>
+            <a:r>
+              <a:rPr b="1" lang="en">
+                <a:solidFill>
+                  <a:schemeClr val="dk1"/>
+                </a:solidFill>
+                <a:latin typeface="Roboto"/>
+                <a:ea typeface="Roboto"/>
+                <a:cs typeface="Roboto"/>
+                <a:sym typeface="Roboto"/>
+              </a:rPr>
+              <a:t>API</a:t>
+            </a:r>
+            <a:endParaRPr b="1">
+              <a:solidFill>
+                <a:schemeClr val="dk1"/>
+              </a:solidFill>
+              <a:latin typeface="Roboto"/>
+              <a:ea typeface="Roboto"/>
+              <a:cs typeface="Roboto"/>
+              <a:sym typeface="Roboto"/>
+            </a:endParaRPr>
+          </a:p>
+        </p:txBody>
+      </p:sp>
+      <p:sp>
+        <p:nvSpPr>
+          <p:cNvPr id="286" name="Google Shape;286;p29"/>
+          <p:cNvSpPr txBox="1"/>
+          <p:nvPr/>
+        </p:nvSpPr>
+        <p:spPr>
+          <a:xfrm>
+            <a:off x="6872000" y="948250"/>
+            <a:ext cx="1126800" cy="831300"/>
+          </a:xfrm>
+          <a:prstGeom prst="rect">
+            <a:avLst/>
+          </a:prstGeom>
+          <a:noFill/>
+          <a:ln>
+            <a:noFill/>
+          </a:ln>
+        </p:spPr>
+        <p:txBody>
+          <a:bodyPr anchorCtr="0" anchor="t" bIns="91425" lIns="91425" spcFirstLastPara="1" rIns="91425" wrap="square" tIns="91425">
+            <a:spAutoFit/>
+          </a:bodyPr>
+          <a:lstStyle/>
+          <a:p>
+            <a:pPr indent="0" lvl="0" marL="0" rtl="0" algn="ctr">
+              <a:spcBef>
+                <a:spcPts val="0"/>
+              </a:spcBef>
+              <a:spcAft>
+                <a:spcPts val="0"/>
+              </a:spcAft>
+              <a:buNone/>
+            </a:pPr>
+            <a:r>
+              <a:rPr b="1" lang="en">
+                <a:solidFill>
+                  <a:schemeClr val="dk1"/>
+                </a:solidFill>
+                <a:latin typeface="Roboto"/>
+                <a:ea typeface="Roboto"/>
+                <a:cs typeface="Roboto"/>
+                <a:sym typeface="Roboto"/>
+              </a:rPr>
+              <a:t>Buy/Sell</a:t>
+            </a:r>
+            <a:endParaRPr b="1">
+              <a:solidFill>
+                <a:schemeClr val="dk1"/>
+              </a:solidFill>
+              <a:latin typeface="Roboto"/>
+              <a:ea typeface="Roboto"/>
+              <a:cs typeface="Roboto"/>
+              <a:sym typeface="Roboto"/>
+            </a:endParaRPr>
+          </a:p>
+          <a:p>
+            <a:pPr indent="0" lvl="0" marL="0" rtl="0" algn="ctr">
+              <a:spcBef>
+                <a:spcPts val="0"/>
+              </a:spcBef>
+              <a:spcAft>
+                <a:spcPts val="0"/>
+              </a:spcAft>
+              <a:buNone/>
+            </a:pPr>
+            <a:r>
+              <a:rPr b="1" lang="en">
+                <a:solidFill>
+                  <a:schemeClr val="dk1"/>
+                </a:solidFill>
+                <a:latin typeface="Roboto"/>
+                <a:ea typeface="Roboto"/>
+                <a:cs typeface="Roboto"/>
+                <a:sym typeface="Roboto"/>
+              </a:rPr>
+              <a:t>Alpaca API Format</a:t>
+            </a:r>
+            <a:endParaRPr b="1">
+              <a:solidFill>
+                <a:schemeClr val="dk1"/>
+              </a:solidFill>
+              <a:latin typeface="Roboto"/>
+              <a:ea typeface="Roboto"/>
+              <a:cs typeface="Roboto"/>
+              <a:sym typeface="Roboto"/>
+            </a:endParaRPr>
+          </a:p>
+        </p:txBody>
+      </p:sp>
+      <p:sp>
+        <p:nvSpPr>
+          <p:cNvPr id="287" name="Google Shape;287;p29"/>
+          <p:cNvSpPr txBox="1"/>
+          <p:nvPr/>
+        </p:nvSpPr>
+        <p:spPr>
+          <a:xfrm>
+            <a:off x="4967000" y="2472250"/>
+            <a:ext cx="1126800" cy="615600"/>
+          </a:xfrm>
+          <a:prstGeom prst="rect">
+            <a:avLst/>
+          </a:prstGeom>
+          <a:noFill/>
+          <a:ln>
+            <a:noFill/>
+          </a:ln>
+        </p:spPr>
+        <p:txBody>
+          <a:bodyPr anchorCtr="0" anchor="t" bIns="91425" lIns="91425" spcFirstLastPara="1" rIns="91425" wrap="square" tIns="91425">
+            <a:spAutoFit/>
+          </a:bodyPr>
+          <a:lstStyle/>
+          <a:p>
+            <a:pPr indent="0" lvl="0" marL="0" rtl="0" algn="ctr">
+              <a:spcBef>
+                <a:spcPts val="0"/>
+              </a:spcBef>
+              <a:spcAft>
+                <a:spcPts val="0"/>
+              </a:spcAft>
+              <a:buNone/>
+            </a:pPr>
+            <a:r>
+              <a:rPr b="1" lang="en">
+                <a:solidFill>
+                  <a:schemeClr val="dk1"/>
+                </a:solidFill>
+                <a:latin typeface="Roboto"/>
+                <a:ea typeface="Roboto"/>
+                <a:cs typeface="Roboto"/>
+                <a:sym typeface="Roboto"/>
+              </a:rPr>
+              <a:t>Account</a:t>
+            </a:r>
+            <a:endParaRPr b="1">
+              <a:solidFill>
+                <a:schemeClr val="dk1"/>
+              </a:solidFill>
+              <a:latin typeface="Roboto"/>
+              <a:ea typeface="Roboto"/>
+              <a:cs typeface="Roboto"/>
+              <a:sym typeface="Roboto"/>
+            </a:endParaRPr>
+          </a:p>
+          <a:p>
+            <a:pPr indent="0" lvl="0" marL="0" rtl="0" algn="ctr">
+              <a:spcBef>
+                <a:spcPts val="0"/>
+              </a:spcBef>
+              <a:spcAft>
+                <a:spcPts val="0"/>
+              </a:spcAft>
+              <a:buNone/>
+            </a:pPr>
+            <a:r>
+              <a:rPr b="1" lang="en">
+                <a:solidFill>
+                  <a:schemeClr val="dk1"/>
+                </a:solidFill>
+                <a:latin typeface="Roboto"/>
+                <a:ea typeface="Roboto"/>
+                <a:cs typeface="Roboto"/>
+                <a:sym typeface="Roboto"/>
+              </a:rPr>
+              <a:t>Updates</a:t>
+            </a:r>
+            <a:endParaRPr b="1">
+              <a:solidFill>
+                <a:schemeClr val="dk1"/>
+              </a:solidFill>
+              <a:latin typeface="Roboto"/>
+              <a:ea typeface="Roboto"/>
+              <a:cs typeface="Roboto"/>
+              <a:sym typeface="Roboto"/>
+            </a:endParaRPr>
+          </a:p>
+        </p:txBody>
+      </p:sp>
     </p:spTree>
   </p:cSld>
   <p:clrMapOvr>
@@ -12638,12 +13469,121 @@
 </p:sld>
 </file>
 
-<file path=ppt/slides/slide17.xml><?xml version="1.0" encoding="utf-8"?>
+<file path=ppt/slides/slide18.xml><?xml version="1.0" encoding="utf-8"?>
 <p:sld xmlns:a="http://schemas.openxmlformats.org/drawingml/2006/main" xmlns:r="http://schemas.openxmlformats.org/officeDocument/2006/relationships" xmlns:mc="http://schemas.openxmlformats.org/markup-compatibility/2006" xmlns:mv="urn:schemas-microsoft-com:mac:vml" xmlns:p="http://schemas.openxmlformats.org/presentationml/2006/main" xmlns:c="http://schemas.openxmlformats.org/drawingml/2006/chart" xmlns:dgm="http://schemas.openxmlformats.org/drawingml/2006/diagram" xmlns:o="urn:schemas-microsoft-com:office:office" xmlns:v="urn:schemas-microsoft-com:vml" xmlns:pvml="urn:schemas-microsoft-com:office:powerpoint" xmlns:com="http://schemas.openxmlformats.org/drawingml/2006/compatibility" xmlns:p14="http://schemas.microsoft.com/office/powerpoint/2010/main" xmlns:p15="http://schemas.microsoft.com/office/powerpoint/2012/main" xmlns:ahyp="http://schemas.microsoft.com/office/drawing/2018/hyperlinkcolor">
   <p:cSld>
     <p:spTree>
       <p:nvGrpSpPr>
-        <p:cNvPr id="277" name="Shape 277"/>
+        <p:cNvPr id="291" name="Shape 291"/>
+        <p:cNvGrpSpPr/>
+        <p:nvPr/>
+      </p:nvGrpSpPr>
+      <p:grpSpPr>
+        <a:xfrm>
+          <a:off x="0" y="0"/>
+          <a:ext cx="0" cy="0"/>
+          <a:chOff x="0" y="0"/>
+          <a:chExt cx="0" cy="0"/>
+        </a:xfrm>
+      </p:grpSpPr>
+      <p:pic>
+        <p:nvPicPr>
+          <p:cNvPr id="292" name="Google Shape;292;p30"/>
+          <p:cNvPicPr preferRelativeResize="0"/>
+          <p:nvPr/>
+        </p:nvPicPr>
+        <p:blipFill>
+          <a:blip r:embed="rId3">
+            <a:alphaModFix/>
+          </a:blip>
+          <a:stretch>
+            <a:fillRect/>
+          </a:stretch>
+        </p:blipFill>
+        <p:spPr>
+          <a:xfrm>
+            <a:off x="3741702" y="285750"/>
+            <a:ext cx="4442598" cy="2427250"/>
+          </a:xfrm>
+          <a:prstGeom prst="rect">
+            <a:avLst/>
+          </a:prstGeom>
+          <a:noFill/>
+          <a:ln>
+            <a:noFill/>
+          </a:ln>
+        </p:spPr>
+      </p:pic>
+      <p:pic>
+        <p:nvPicPr>
+          <p:cNvPr id="293" name="Google Shape;293;p30"/>
+          <p:cNvPicPr preferRelativeResize="0"/>
+          <p:nvPr/>
+        </p:nvPicPr>
+        <p:blipFill>
+          <a:blip r:embed="rId4">
+            <a:alphaModFix/>
+          </a:blip>
+          <a:stretch>
+            <a:fillRect/>
+          </a:stretch>
+        </p:blipFill>
+        <p:spPr>
+          <a:xfrm>
+            <a:off x="387900" y="2803150"/>
+            <a:ext cx="8324101" cy="1937750"/>
+          </a:xfrm>
+          <a:prstGeom prst="rect">
+            <a:avLst/>
+          </a:prstGeom>
+          <a:noFill/>
+          <a:ln>
+            <a:noFill/>
+          </a:ln>
+        </p:spPr>
+      </p:pic>
+      <p:pic>
+        <p:nvPicPr>
+          <p:cNvPr id="294" name="Google Shape;294;p30"/>
+          <p:cNvPicPr preferRelativeResize="0"/>
+          <p:nvPr/>
+        </p:nvPicPr>
+        <p:blipFill>
+          <a:blip r:embed="rId5">
+            <a:alphaModFix/>
+          </a:blip>
+          <a:stretch>
+            <a:fillRect/>
+          </a:stretch>
+        </p:blipFill>
+        <p:spPr>
+          <a:xfrm>
+            <a:off x="152400" y="152400"/>
+            <a:ext cx="2847975" cy="1600200"/>
+          </a:xfrm>
+          <a:prstGeom prst="rect">
+            <a:avLst/>
+          </a:prstGeom>
+          <a:noFill/>
+          <a:ln>
+            <a:noFill/>
+          </a:ln>
+        </p:spPr>
+      </p:pic>
+    </p:spTree>
+  </p:cSld>
+  <p:clrMapOvr>
+    <a:masterClrMapping/>
+  </p:clrMapOvr>
+</p:sld>
+</file>
+
+<file path=ppt/slides/slide19.xml><?xml version="1.0" encoding="utf-8"?>
+<p:sld xmlns:a="http://schemas.openxmlformats.org/drawingml/2006/main" xmlns:r="http://schemas.openxmlformats.org/officeDocument/2006/relationships" xmlns:mc="http://schemas.openxmlformats.org/markup-compatibility/2006" xmlns:mv="urn:schemas-microsoft-com:mac:vml" xmlns:p="http://schemas.openxmlformats.org/presentationml/2006/main" xmlns:c="http://schemas.openxmlformats.org/drawingml/2006/chart" xmlns:dgm="http://schemas.openxmlformats.org/drawingml/2006/diagram" xmlns:o="urn:schemas-microsoft-com:office:office" xmlns:v="urn:schemas-microsoft-com:vml" xmlns:pvml="urn:schemas-microsoft-com:office:powerpoint" xmlns:com="http://schemas.openxmlformats.org/drawingml/2006/compatibility" xmlns:p14="http://schemas.microsoft.com/office/powerpoint/2010/main" xmlns:p15="http://schemas.microsoft.com/office/powerpoint/2012/main" xmlns:ahyp="http://schemas.microsoft.com/office/drawing/2018/hyperlinkcolor">
+  <p:cSld>
+    <p:spTree>
+      <p:nvGrpSpPr>
+        <p:cNvPr id="298" name="Shape 298"/>
         <p:cNvGrpSpPr/>
         <p:nvPr/>
       </p:nvGrpSpPr>
@@ -12657,7 +13597,7 @@
       </p:grpSpPr>
       <p:sp>
         <p:nvSpPr>
-          <p:cNvPr id="278" name="Google Shape;278;p29"/>
+          <p:cNvPr id="299" name="Google Shape;299;p31"/>
           <p:cNvSpPr txBox="1"/>
           <p:nvPr>
             <p:ph type="ctrTitle"/>
@@ -12697,7 +13637,7 @@
       </p:sp>
       <p:sp>
         <p:nvSpPr>
-          <p:cNvPr id="279" name="Google Shape;279;p29"/>
+          <p:cNvPr id="300" name="Google Shape;300;p31"/>
           <p:cNvSpPr txBox="1"/>
           <p:nvPr>
             <p:ph idx="1" type="subTitle"/>
@@ -12733,7 +13673,15 @@
             </a:pPr>
             <a:r>
               <a:rPr lang="en" sz="2000"/>
-              <a:t>Include more data (RSI. MACD, Bolinger Bands … )</a:t>
+              <a:t>Include more data (RSI. MACD, </a:t>
+            </a:r>
+            <a:r>
+              <a:rPr lang="en" sz="2000"/>
+              <a:t>Bollinger</a:t>
+            </a:r>
+            <a:r>
+              <a:rPr lang="en" sz="2000"/>
+              <a:t> Bands … )</a:t>
             </a:r>
             <a:endParaRPr sz="2000"/>
           </a:p>
@@ -12866,405 +13814,6 @@
               <a:t/>
             </a:r>
             <a:endParaRPr sz="2000"/>
-          </a:p>
-        </p:txBody>
-      </p:sp>
-    </p:spTree>
-  </p:cSld>
-  <p:clrMapOvr>
-    <a:masterClrMapping/>
-  </p:clrMapOvr>
-</p:sld>
-</file>
-
-<file path=ppt/slides/slide18.xml><?xml version="1.0" encoding="utf-8"?>
-<p:sld xmlns:a="http://schemas.openxmlformats.org/drawingml/2006/main" xmlns:r="http://schemas.openxmlformats.org/officeDocument/2006/relationships" xmlns:mc="http://schemas.openxmlformats.org/markup-compatibility/2006" xmlns:mv="urn:schemas-microsoft-com:mac:vml" xmlns:p="http://schemas.openxmlformats.org/presentationml/2006/main" xmlns:c="http://schemas.openxmlformats.org/drawingml/2006/chart" xmlns:dgm="http://schemas.openxmlformats.org/drawingml/2006/diagram" xmlns:o="urn:schemas-microsoft-com:office:office" xmlns:v="urn:schemas-microsoft-com:vml" xmlns:pvml="urn:schemas-microsoft-com:office:powerpoint" xmlns:com="http://schemas.openxmlformats.org/drawingml/2006/compatibility" xmlns:p14="http://schemas.microsoft.com/office/powerpoint/2010/main" xmlns:p15="http://schemas.microsoft.com/office/powerpoint/2012/main" xmlns:ahyp="http://schemas.microsoft.com/office/drawing/2018/hyperlinkcolor">
-  <p:cSld>
-    <p:spTree>
-      <p:nvGrpSpPr>
-        <p:cNvPr id="283" name="Shape 283"/>
-        <p:cNvGrpSpPr/>
-        <p:nvPr/>
-      </p:nvGrpSpPr>
-      <p:grpSpPr>
-        <a:xfrm>
-          <a:off x="0" y="0"/>
-          <a:ext cx="0" cy="0"/>
-          <a:chOff x="0" y="0"/>
-          <a:chExt cx="0" cy="0"/>
-        </a:xfrm>
-      </p:grpSpPr>
-      <p:sp>
-        <p:nvSpPr>
-          <p:cNvPr id="284" name="Google Shape;284;p30"/>
-          <p:cNvSpPr txBox="1"/>
-          <p:nvPr>
-            <p:ph type="title"/>
-          </p:nvPr>
-        </p:nvSpPr>
-        <p:spPr>
-          <a:xfrm>
-            <a:off x="265500" y="1151100"/>
-            <a:ext cx="4045200" cy="1564500"/>
-          </a:xfrm>
-          <a:prstGeom prst="rect">
-            <a:avLst/>
-          </a:prstGeom>
-        </p:spPr>
-        <p:txBody>
-          <a:bodyPr anchorCtr="0" anchor="b" bIns="91425" lIns="91425" spcFirstLastPara="1" rIns="91425" wrap="square" tIns="91425">
-            <a:noAutofit/>
-          </a:bodyPr>
-          <a:lstStyle/>
-          <a:p>
-            <a:pPr indent="0" lvl="0" marL="0" rtl="0" algn="ctr">
-              <a:spcBef>
-                <a:spcPts val="0"/>
-              </a:spcBef>
-              <a:spcAft>
-                <a:spcPts val="0"/>
-              </a:spcAft>
-              <a:buNone/>
-            </a:pPr>
-            <a:r>
-              <a:rPr lang="en"/>
-              <a:t>Open Discussion</a:t>
-            </a:r>
-            <a:endParaRPr/>
-          </a:p>
-        </p:txBody>
-      </p:sp>
-      <p:sp>
-        <p:nvSpPr>
-          <p:cNvPr id="285" name="Google Shape;285;p30"/>
-          <p:cNvSpPr txBox="1"/>
-          <p:nvPr>
-            <p:ph idx="1" type="subTitle"/>
-          </p:nvPr>
-        </p:nvSpPr>
-        <p:spPr>
-          <a:xfrm>
-            <a:off x="265500" y="2769001"/>
-            <a:ext cx="4045200" cy="1269300"/>
-          </a:xfrm>
-          <a:prstGeom prst="rect">
-            <a:avLst/>
-          </a:prstGeom>
-        </p:spPr>
-        <p:txBody>
-          <a:bodyPr anchorCtr="0" anchor="t" bIns="91425" lIns="91425" spcFirstLastPara="1" rIns="91425" wrap="square" tIns="91425">
-            <a:noAutofit/>
-          </a:bodyPr>
-          <a:lstStyle/>
-          <a:p>
-            <a:pPr indent="0" lvl="0" marL="0" rtl="0" algn="ctr">
-              <a:spcBef>
-                <a:spcPts val="0"/>
-              </a:spcBef>
-              <a:spcAft>
-                <a:spcPts val="0"/>
-              </a:spcAft>
-              <a:buNone/>
-            </a:pPr>
-            <a:r>
-              <a:rPr lang="en"/>
-              <a:t>...and how to improve moving forward</a:t>
-            </a:r>
-            <a:endParaRPr/>
-          </a:p>
-        </p:txBody>
-      </p:sp>
-    </p:spTree>
-  </p:cSld>
-  <p:clrMapOvr>
-    <a:masterClrMapping/>
-  </p:clrMapOvr>
-</p:sld>
-</file>
-
-<file path=ppt/slides/slide19.xml><?xml version="1.0" encoding="utf-8"?>
-<p:sld xmlns:a="http://schemas.openxmlformats.org/drawingml/2006/main" xmlns:r="http://schemas.openxmlformats.org/officeDocument/2006/relationships" xmlns:mc="http://schemas.openxmlformats.org/markup-compatibility/2006" xmlns:mv="urn:schemas-microsoft-com:mac:vml" xmlns:p="http://schemas.openxmlformats.org/presentationml/2006/main" xmlns:c="http://schemas.openxmlformats.org/drawingml/2006/chart" xmlns:dgm="http://schemas.openxmlformats.org/drawingml/2006/diagram" xmlns:o="urn:schemas-microsoft-com:office:office" xmlns:v="urn:schemas-microsoft-com:vml" xmlns:pvml="urn:schemas-microsoft-com:office:powerpoint" xmlns:com="http://schemas.openxmlformats.org/drawingml/2006/compatibility" xmlns:p14="http://schemas.microsoft.com/office/powerpoint/2010/main" xmlns:p15="http://schemas.microsoft.com/office/powerpoint/2012/main" xmlns:ahyp="http://schemas.microsoft.com/office/drawing/2018/hyperlinkcolor">
-  <p:cSld>
-    <p:spTree>
-      <p:nvGrpSpPr>
-        <p:cNvPr id="289" name="Shape 289"/>
-        <p:cNvGrpSpPr/>
-        <p:nvPr/>
-      </p:nvGrpSpPr>
-      <p:grpSpPr>
-        <a:xfrm>
-          <a:off x="0" y="0"/>
-          <a:ext cx="0" cy="0"/>
-          <a:chOff x="0" y="0"/>
-          <a:chExt cx="0" cy="0"/>
-        </a:xfrm>
-      </p:grpSpPr>
-      <p:sp>
-        <p:nvSpPr>
-          <p:cNvPr id="290" name="Google Shape;290;p31"/>
-          <p:cNvSpPr txBox="1"/>
-          <p:nvPr>
-            <p:ph type="title"/>
-          </p:nvPr>
-        </p:nvSpPr>
-        <p:spPr>
-          <a:xfrm>
-            <a:off x="265500" y="1151100"/>
-            <a:ext cx="4045200" cy="1564500"/>
-          </a:xfrm>
-          <a:prstGeom prst="rect">
-            <a:avLst/>
-          </a:prstGeom>
-        </p:spPr>
-        <p:txBody>
-          <a:bodyPr anchorCtr="0" anchor="b" bIns="91425" lIns="91425" spcFirstLastPara="1" rIns="91425" wrap="square" tIns="91425">
-            <a:noAutofit/>
-          </a:bodyPr>
-          <a:lstStyle/>
-          <a:p>
-            <a:pPr indent="0" lvl="0" marL="0" rtl="0" algn="ctr">
-              <a:spcBef>
-                <a:spcPts val="0"/>
-              </a:spcBef>
-              <a:spcAft>
-                <a:spcPts val="0"/>
-              </a:spcAft>
-              <a:buNone/>
-            </a:pPr>
-            <a:r>
-              <a:rPr lang="en"/>
-              <a:t>Thank you</a:t>
-            </a:r>
-            <a:endParaRPr/>
-          </a:p>
-        </p:txBody>
-      </p:sp>
-      <p:sp>
-        <p:nvSpPr>
-          <p:cNvPr id="291" name="Google Shape;291;p31"/>
-          <p:cNvSpPr txBox="1"/>
-          <p:nvPr>
-            <p:ph idx="2" type="body"/>
-          </p:nvPr>
-        </p:nvSpPr>
-        <p:spPr>
-          <a:xfrm>
-            <a:off x="4731300" y="724200"/>
-            <a:ext cx="4215900" cy="3695100"/>
-          </a:xfrm>
-          <a:prstGeom prst="rect">
-            <a:avLst/>
-          </a:prstGeom>
-        </p:spPr>
-        <p:txBody>
-          <a:bodyPr anchorCtr="0" anchor="t" bIns="91425" lIns="91425" spcFirstLastPara="1" rIns="91425" wrap="square" tIns="91425">
-            <a:noAutofit/>
-          </a:bodyPr>
-          <a:lstStyle/>
-          <a:p>
-            <a:pPr indent="-311150" lvl="0" marL="457200" rtl="0" algn="l">
-              <a:spcBef>
-                <a:spcPts val="0"/>
-              </a:spcBef>
-              <a:spcAft>
-                <a:spcPts val="0"/>
-              </a:spcAft>
-              <a:buSzPts val="1300"/>
-              <a:buChar char="●"/>
-            </a:pPr>
-            <a:r>
-              <a:rPr lang="en" sz="1200" u="sng">
-                <a:solidFill>
-                  <a:schemeClr val="hlink"/>
-                </a:solidFill>
-                <a:hlinkClick r:id="rId3"/>
-              </a:rPr>
-              <a:t>https://pyflux.readthedocs.io/en/latest/egarch.html</a:t>
-            </a:r>
-            <a:endParaRPr sz="1200"/>
-          </a:p>
-          <a:p>
-            <a:pPr indent="-304800" lvl="0" marL="457200" rtl="0" algn="l">
-              <a:spcBef>
-                <a:spcPts val="0"/>
-              </a:spcBef>
-              <a:spcAft>
-                <a:spcPts val="0"/>
-              </a:spcAft>
-              <a:buSzPts val="1200"/>
-              <a:buChar char="●"/>
-            </a:pPr>
-            <a:r>
-              <a:rPr lang="en" sz="1200" u="sng">
-                <a:solidFill>
-                  <a:schemeClr val="hlink"/>
-                </a:solidFill>
-                <a:hlinkClick r:id="rId4"/>
-              </a:rPr>
-              <a:t>https://towardsdatascience.com/time-series-forecasting-with-2d-convolutions-4f1a0f33dff6</a:t>
-            </a:r>
-            <a:endParaRPr sz="1200"/>
-          </a:p>
-          <a:p>
-            <a:pPr indent="-304800" lvl="0" marL="457200" rtl="0" algn="l">
-              <a:spcBef>
-                <a:spcPts val="0"/>
-              </a:spcBef>
-              <a:spcAft>
-                <a:spcPts val="0"/>
-              </a:spcAft>
-              <a:buSzPts val="1200"/>
-              <a:buChar char="●"/>
-            </a:pPr>
-            <a:r>
-              <a:rPr lang="en" sz="1200" u="sng">
-                <a:solidFill>
-                  <a:schemeClr val="hlink"/>
-                </a:solidFill>
-                <a:hlinkClick r:id="rId5"/>
-              </a:rPr>
-              <a:t>https://deepdatascience.wordpress.com/2016/11/18/which-lstm-optimizer-to-use/</a:t>
-            </a:r>
-            <a:endParaRPr sz="1200"/>
-          </a:p>
-          <a:p>
-            <a:pPr indent="-304800" lvl="0" marL="457200" rtl="0" algn="l">
-              <a:spcBef>
-                <a:spcPts val="0"/>
-              </a:spcBef>
-              <a:spcAft>
-                <a:spcPts val="0"/>
-              </a:spcAft>
-              <a:buSzPts val="1200"/>
-              <a:buChar char="●"/>
-            </a:pPr>
-            <a:r>
-              <a:rPr lang="en" sz="1200" u="sng">
-                <a:solidFill>
-                  <a:schemeClr val="hlink"/>
-                </a:solidFill>
-                <a:hlinkClick r:id="rId6"/>
-              </a:rPr>
-              <a:t>https://towardsdatascience.com/metrics-to-evaluate-your-machine-learning-algorithm-f10ba6e38234</a:t>
-            </a:r>
-            <a:endParaRPr sz="1200"/>
-          </a:p>
-          <a:p>
-            <a:pPr indent="-304800" lvl="0" marL="457200" rtl="0" algn="l">
-              <a:spcBef>
-                <a:spcPts val="0"/>
-              </a:spcBef>
-              <a:spcAft>
-                <a:spcPts val="0"/>
-              </a:spcAft>
-              <a:buSzPts val="1200"/>
-              <a:buChar char="●"/>
-            </a:pPr>
-            <a:r>
-              <a:rPr lang="en" sz="1200" u="sng">
-                <a:solidFill>
-                  <a:schemeClr val="hlink"/>
-                </a:solidFill>
-                <a:hlinkClick r:id="rId7"/>
-              </a:rPr>
-              <a:t>https://pypi.org/project/yfinance/</a:t>
-            </a:r>
-            <a:endParaRPr sz="1200"/>
-          </a:p>
-          <a:p>
-            <a:pPr indent="-304800" lvl="0" marL="457200" rtl="0" algn="l">
-              <a:spcBef>
-                <a:spcPts val="0"/>
-              </a:spcBef>
-              <a:spcAft>
-                <a:spcPts val="0"/>
-              </a:spcAft>
-              <a:buSzPts val="1200"/>
-              <a:buChar char="●"/>
-            </a:pPr>
-            <a:r>
-              <a:rPr lang="en" sz="1200" u="sng">
-                <a:solidFill>
-                  <a:schemeClr val="hlink"/>
-                </a:solidFill>
-                <a:hlinkClick r:id="rId8"/>
-              </a:rPr>
-              <a:t>https://core.ac.uk/download/pdf/42337476.pdf</a:t>
-            </a:r>
-            <a:endParaRPr sz="1200"/>
-          </a:p>
-          <a:p>
-            <a:pPr indent="0" lvl="0" marL="457200" rtl="0" algn="l">
-              <a:spcBef>
-                <a:spcPts val="1600"/>
-              </a:spcBef>
-              <a:spcAft>
-                <a:spcPts val="1600"/>
-              </a:spcAft>
-              <a:buNone/>
-            </a:pPr>
-            <a:r>
-              <a:t/>
-            </a:r>
-            <a:endParaRPr sz="1200"/>
-          </a:p>
-        </p:txBody>
-      </p:sp>
-      <p:sp>
-        <p:nvSpPr>
-          <p:cNvPr id="292" name="Google Shape;292;p31"/>
-          <p:cNvSpPr txBox="1"/>
-          <p:nvPr/>
-        </p:nvSpPr>
-        <p:spPr>
-          <a:xfrm>
-            <a:off x="4939500" y="77700"/>
-            <a:ext cx="2137200" cy="646500"/>
-          </a:xfrm>
-          <a:prstGeom prst="rect">
-            <a:avLst/>
-          </a:prstGeom>
-          <a:noFill/>
-          <a:ln>
-            <a:noFill/>
-          </a:ln>
-        </p:spPr>
-        <p:txBody>
-          <a:bodyPr anchorCtr="0" anchor="t" bIns="91425" lIns="91425" spcFirstLastPara="1" rIns="91425" wrap="square" tIns="91425">
-            <a:spAutoFit/>
-          </a:bodyPr>
-          <a:lstStyle/>
-          <a:p>
-            <a:pPr indent="0" lvl="0" marL="0" rtl="0" algn="l">
-              <a:spcBef>
-                <a:spcPts val="0"/>
-              </a:spcBef>
-              <a:spcAft>
-                <a:spcPts val="0"/>
-              </a:spcAft>
-              <a:buNone/>
-            </a:pPr>
-            <a:r>
-              <a:rPr lang="en" sz="3000">
-                <a:solidFill>
-                  <a:schemeClr val="lt1"/>
-                </a:solidFill>
-                <a:latin typeface="Roboto"/>
-                <a:ea typeface="Roboto"/>
-                <a:cs typeface="Roboto"/>
-                <a:sym typeface="Roboto"/>
-              </a:rPr>
-              <a:t>Sources</a:t>
-            </a:r>
-            <a:endParaRPr sz="3000">
-              <a:solidFill>
-                <a:schemeClr val="lt1"/>
-              </a:solidFill>
-              <a:latin typeface="Roboto"/>
-              <a:ea typeface="Roboto"/>
-              <a:cs typeface="Roboto"/>
-              <a:sym typeface="Roboto"/>
-            </a:endParaRPr>
           </a:p>
         </p:txBody>
       </p:sp>
@@ -13506,6 +14055,450 @@
               <a:t>Challenges and future improvements</a:t>
             </a:r>
             <a:endParaRPr sz="2000"/>
+          </a:p>
+        </p:txBody>
+      </p:sp>
+    </p:spTree>
+  </p:cSld>
+  <p:clrMapOvr>
+    <a:masterClrMapping/>
+  </p:clrMapOvr>
+</p:sld>
+</file>
+
+<file path=ppt/slides/slide20.xml><?xml version="1.0" encoding="utf-8"?>
+<p:sld xmlns:a="http://schemas.openxmlformats.org/drawingml/2006/main" xmlns:r="http://schemas.openxmlformats.org/officeDocument/2006/relationships" xmlns:mc="http://schemas.openxmlformats.org/markup-compatibility/2006" xmlns:mv="urn:schemas-microsoft-com:mac:vml" xmlns:p="http://schemas.openxmlformats.org/presentationml/2006/main" xmlns:c="http://schemas.openxmlformats.org/drawingml/2006/chart" xmlns:dgm="http://schemas.openxmlformats.org/drawingml/2006/diagram" xmlns:o="urn:schemas-microsoft-com:office:office" xmlns:v="urn:schemas-microsoft-com:vml" xmlns:pvml="urn:schemas-microsoft-com:office:powerpoint" xmlns:com="http://schemas.openxmlformats.org/drawingml/2006/compatibility" xmlns:p14="http://schemas.microsoft.com/office/powerpoint/2010/main" xmlns:p15="http://schemas.microsoft.com/office/powerpoint/2012/main" xmlns:ahyp="http://schemas.microsoft.com/office/drawing/2018/hyperlinkcolor">
+  <p:cSld>
+    <p:spTree>
+      <p:nvGrpSpPr>
+        <p:cNvPr id="304" name="Shape 304"/>
+        <p:cNvGrpSpPr/>
+        <p:nvPr/>
+      </p:nvGrpSpPr>
+      <p:grpSpPr>
+        <a:xfrm>
+          <a:off x="0" y="0"/>
+          <a:ext cx="0" cy="0"/>
+          <a:chOff x="0" y="0"/>
+          <a:chExt cx="0" cy="0"/>
+        </a:xfrm>
+      </p:grpSpPr>
+      <p:sp>
+        <p:nvSpPr>
+          <p:cNvPr id="305" name="Google Shape;305;p32"/>
+          <p:cNvSpPr txBox="1"/>
+          <p:nvPr>
+            <p:ph type="title"/>
+          </p:nvPr>
+        </p:nvSpPr>
+        <p:spPr>
+          <a:xfrm>
+            <a:off x="265500" y="1151100"/>
+            <a:ext cx="4045200" cy="1564500"/>
+          </a:xfrm>
+          <a:prstGeom prst="rect">
+            <a:avLst/>
+          </a:prstGeom>
+        </p:spPr>
+        <p:txBody>
+          <a:bodyPr anchorCtr="0" anchor="b" bIns="91425" lIns="91425" spcFirstLastPara="1" rIns="91425" wrap="square" tIns="91425">
+            <a:noAutofit/>
+          </a:bodyPr>
+          <a:lstStyle/>
+          <a:p>
+            <a:pPr indent="0" lvl="0" marL="0" rtl="0" algn="ctr">
+              <a:spcBef>
+                <a:spcPts val="0"/>
+              </a:spcBef>
+              <a:spcAft>
+                <a:spcPts val="0"/>
+              </a:spcAft>
+              <a:buNone/>
+            </a:pPr>
+            <a:r>
+              <a:rPr lang="en"/>
+              <a:t>Open Discussion</a:t>
+            </a:r>
+            <a:endParaRPr/>
+          </a:p>
+        </p:txBody>
+      </p:sp>
+      <p:sp>
+        <p:nvSpPr>
+          <p:cNvPr id="306" name="Google Shape;306;p32"/>
+          <p:cNvSpPr txBox="1"/>
+          <p:nvPr>
+            <p:ph idx="1" type="subTitle"/>
+          </p:nvPr>
+        </p:nvSpPr>
+        <p:spPr>
+          <a:xfrm>
+            <a:off x="265500" y="2769001"/>
+            <a:ext cx="4045200" cy="1269300"/>
+          </a:xfrm>
+          <a:prstGeom prst="rect">
+            <a:avLst/>
+          </a:prstGeom>
+        </p:spPr>
+        <p:txBody>
+          <a:bodyPr anchorCtr="0" anchor="t" bIns="91425" lIns="91425" spcFirstLastPara="1" rIns="91425" wrap="square" tIns="91425">
+            <a:noAutofit/>
+          </a:bodyPr>
+          <a:lstStyle/>
+          <a:p>
+            <a:pPr indent="0" lvl="0" marL="0" rtl="0" algn="ctr">
+              <a:spcBef>
+                <a:spcPts val="0"/>
+              </a:spcBef>
+              <a:spcAft>
+                <a:spcPts val="0"/>
+              </a:spcAft>
+              <a:buNone/>
+            </a:pPr>
+            <a:r>
+              <a:rPr lang="en"/>
+              <a:t>...and how to improve moving forward</a:t>
+            </a:r>
+            <a:endParaRPr/>
+          </a:p>
+        </p:txBody>
+      </p:sp>
+    </p:spTree>
+  </p:cSld>
+  <p:clrMapOvr>
+    <a:masterClrMapping/>
+  </p:clrMapOvr>
+</p:sld>
+</file>
+
+<file path=ppt/slides/slide21.xml><?xml version="1.0" encoding="utf-8"?>
+<p:sld xmlns:a="http://schemas.openxmlformats.org/drawingml/2006/main" xmlns:r="http://schemas.openxmlformats.org/officeDocument/2006/relationships" xmlns:mc="http://schemas.openxmlformats.org/markup-compatibility/2006" xmlns:mv="urn:schemas-microsoft-com:mac:vml" xmlns:p="http://schemas.openxmlformats.org/presentationml/2006/main" xmlns:c="http://schemas.openxmlformats.org/drawingml/2006/chart" xmlns:dgm="http://schemas.openxmlformats.org/drawingml/2006/diagram" xmlns:o="urn:schemas-microsoft-com:office:office" xmlns:v="urn:schemas-microsoft-com:vml" xmlns:pvml="urn:schemas-microsoft-com:office:powerpoint" xmlns:com="http://schemas.openxmlformats.org/drawingml/2006/compatibility" xmlns:p14="http://schemas.microsoft.com/office/powerpoint/2010/main" xmlns:p15="http://schemas.microsoft.com/office/powerpoint/2012/main" xmlns:ahyp="http://schemas.microsoft.com/office/drawing/2018/hyperlinkcolor">
+  <p:cSld>
+    <p:spTree>
+      <p:nvGrpSpPr>
+        <p:cNvPr id="310" name="Shape 310"/>
+        <p:cNvGrpSpPr/>
+        <p:nvPr/>
+      </p:nvGrpSpPr>
+      <p:grpSpPr>
+        <a:xfrm>
+          <a:off x="0" y="0"/>
+          <a:ext cx="0" cy="0"/>
+          <a:chOff x="0" y="0"/>
+          <a:chExt cx="0" cy="0"/>
+        </a:xfrm>
+      </p:grpSpPr>
+      <p:sp>
+        <p:nvSpPr>
+          <p:cNvPr id="311" name="Google Shape;311;p33"/>
+          <p:cNvSpPr txBox="1"/>
+          <p:nvPr>
+            <p:ph type="title"/>
+          </p:nvPr>
+        </p:nvSpPr>
+        <p:spPr>
+          <a:xfrm>
+            <a:off x="265500" y="1151100"/>
+            <a:ext cx="4045200" cy="1564500"/>
+          </a:xfrm>
+          <a:prstGeom prst="rect">
+            <a:avLst/>
+          </a:prstGeom>
+        </p:spPr>
+        <p:txBody>
+          <a:bodyPr anchorCtr="0" anchor="b" bIns="91425" lIns="91425" spcFirstLastPara="1" rIns="91425" wrap="square" tIns="91425">
+            <a:noAutofit/>
+          </a:bodyPr>
+          <a:lstStyle/>
+          <a:p>
+            <a:pPr indent="0" lvl="0" marL="0" rtl="0" algn="ctr">
+              <a:spcBef>
+                <a:spcPts val="0"/>
+              </a:spcBef>
+              <a:spcAft>
+                <a:spcPts val="0"/>
+              </a:spcAft>
+              <a:buNone/>
+            </a:pPr>
+            <a:r>
+              <a:rPr lang="en"/>
+              <a:t>Thank you</a:t>
+            </a:r>
+            <a:endParaRPr/>
+          </a:p>
+        </p:txBody>
+      </p:sp>
+      <p:sp>
+        <p:nvSpPr>
+          <p:cNvPr id="312" name="Google Shape;312;p33"/>
+          <p:cNvSpPr txBox="1"/>
+          <p:nvPr>
+            <p:ph idx="2" type="body"/>
+          </p:nvPr>
+        </p:nvSpPr>
+        <p:spPr>
+          <a:xfrm>
+            <a:off x="4702475" y="644950"/>
+            <a:ext cx="4215900" cy="3756600"/>
+          </a:xfrm>
+          <a:prstGeom prst="rect">
+            <a:avLst/>
+          </a:prstGeom>
+        </p:spPr>
+        <p:txBody>
+          <a:bodyPr anchorCtr="0" anchor="t" bIns="91425" lIns="91425" spcFirstLastPara="1" rIns="91425" wrap="square" tIns="91425">
+            <a:noAutofit/>
+          </a:bodyPr>
+          <a:lstStyle/>
+          <a:p>
+            <a:pPr indent="-311150" lvl="0" marL="457200" rtl="0" algn="l">
+              <a:lnSpc>
+                <a:spcPct val="100000"/>
+              </a:lnSpc>
+              <a:spcBef>
+                <a:spcPts val="0"/>
+              </a:spcBef>
+              <a:spcAft>
+                <a:spcPts val="0"/>
+              </a:spcAft>
+              <a:buSzPts val="1300"/>
+              <a:buChar char="●"/>
+            </a:pPr>
+            <a:r>
+              <a:rPr lang="en" sz="1200" u="sng">
+                <a:solidFill>
+                  <a:schemeClr val="hlink"/>
+                </a:solidFill>
+                <a:hlinkClick r:id="rId3"/>
+              </a:rPr>
+              <a:t>https://pyflux.readthedocs.io/en/latest/egarch.html</a:t>
+            </a:r>
+            <a:br>
+              <a:rPr lang="en" sz="1200"/>
+            </a:br>
+            <a:br>
+              <a:rPr lang="en" sz="1200"/>
+            </a:br>
+            <a:endParaRPr sz="1200"/>
+          </a:p>
+          <a:p>
+            <a:pPr indent="-304800" lvl="0" marL="457200" rtl="0" algn="l">
+              <a:lnSpc>
+                <a:spcPct val="100000"/>
+              </a:lnSpc>
+              <a:spcBef>
+                <a:spcPts val="0"/>
+              </a:spcBef>
+              <a:spcAft>
+                <a:spcPts val="0"/>
+              </a:spcAft>
+              <a:buSzPts val="1200"/>
+              <a:buChar char="●"/>
+            </a:pPr>
+            <a:r>
+              <a:rPr lang="en" sz="1200" u="sng">
+                <a:solidFill>
+                  <a:schemeClr val="hlink"/>
+                </a:solidFill>
+                <a:hlinkClick r:id="rId4"/>
+              </a:rPr>
+              <a:t>https://towardsdatascience.com/time-series-forecasting-with-2d-convolutions-4f1a0f33dff6</a:t>
+            </a:r>
+            <a:br>
+              <a:rPr lang="en" sz="1200"/>
+            </a:br>
+            <a:br>
+              <a:rPr lang="en" sz="1200"/>
+            </a:br>
+            <a:endParaRPr sz="1200"/>
+          </a:p>
+          <a:p>
+            <a:pPr indent="-304800" lvl="0" marL="457200" rtl="0" algn="l">
+              <a:lnSpc>
+                <a:spcPct val="100000"/>
+              </a:lnSpc>
+              <a:spcBef>
+                <a:spcPts val="0"/>
+              </a:spcBef>
+              <a:spcAft>
+                <a:spcPts val="0"/>
+              </a:spcAft>
+              <a:buSzPts val="1200"/>
+              <a:buChar char="●"/>
+            </a:pPr>
+            <a:r>
+              <a:rPr lang="en" sz="1200" u="sng">
+                <a:solidFill>
+                  <a:schemeClr val="hlink"/>
+                </a:solidFill>
+                <a:hlinkClick r:id="rId5"/>
+              </a:rPr>
+              <a:t>https://deepdatascience.wordpress.com/2016/11/18/which-lstm-optimizer-to-use/</a:t>
+            </a:r>
+            <a:br>
+              <a:rPr lang="en" sz="1200"/>
+            </a:br>
+            <a:br>
+              <a:rPr lang="en" sz="1200"/>
+            </a:br>
+            <a:endParaRPr sz="1200"/>
+          </a:p>
+          <a:p>
+            <a:pPr indent="-304800" lvl="0" marL="457200" rtl="0" algn="l">
+              <a:lnSpc>
+                <a:spcPct val="100000"/>
+              </a:lnSpc>
+              <a:spcBef>
+                <a:spcPts val="0"/>
+              </a:spcBef>
+              <a:spcAft>
+                <a:spcPts val="0"/>
+              </a:spcAft>
+              <a:buSzPts val="1200"/>
+              <a:buChar char="●"/>
+            </a:pPr>
+            <a:r>
+              <a:rPr lang="en" sz="1200" u="sng">
+                <a:solidFill>
+                  <a:schemeClr val="hlink"/>
+                </a:solidFill>
+                <a:hlinkClick r:id="rId6"/>
+              </a:rPr>
+              <a:t>https://towardsdatascience.com/metrics-to-evaluate-your-machine-learning-algorithm-f10ba6e38234</a:t>
+            </a:r>
+            <a:br>
+              <a:rPr lang="en" sz="1200"/>
+            </a:br>
+            <a:endParaRPr sz="1200"/>
+          </a:p>
+          <a:p>
+            <a:pPr indent="-304800" lvl="0" marL="457200" rtl="0" algn="l">
+              <a:lnSpc>
+                <a:spcPct val="100000"/>
+              </a:lnSpc>
+              <a:spcBef>
+                <a:spcPts val="0"/>
+              </a:spcBef>
+              <a:spcAft>
+                <a:spcPts val="0"/>
+              </a:spcAft>
+              <a:buSzPts val="1200"/>
+              <a:buChar char="●"/>
+            </a:pPr>
+            <a:r>
+              <a:rPr lang="en" sz="1200" u="sng">
+                <a:solidFill>
+                  <a:schemeClr val="hlink"/>
+                </a:solidFill>
+                <a:hlinkClick r:id="rId7"/>
+              </a:rPr>
+              <a:t>https://pypi.org/project/yfinance</a:t>
+            </a:r>
+            <a:br>
+              <a:rPr lang="en" sz="1200"/>
+            </a:br>
+            <a:br>
+              <a:rPr lang="en" sz="1200"/>
+            </a:br>
+            <a:endParaRPr sz="1200"/>
+          </a:p>
+          <a:p>
+            <a:pPr indent="-304800" lvl="0" marL="457200" rtl="0" algn="l">
+              <a:lnSpc>
+                <a:spcPct val="100000"/>
+              </a:lnSpc>
+              <a:spcBef>
+                <a:spcPts val="0"/>
+              </a:spcBef>
+              <a:spcAft>
+                <a:spcPts val="0"/>
+              </a:spcAft>
+              <a:buSzPts val="1200"/>
+              <a:buChar char="●"/>
+            </a:pPr>
+            <a:r>
+              <a:rPr lang="en" sz="1200" u="sng">
+                <a:solidFill>
+                  <a:schemeClr val="hlink"/>
+                </a:solidFill>
+                <a:hlinkClick r:id="rId8"/>
+              </a:rPr>
+              <a:t>https://core.ac.uk/download/pdf/42337476.pdf</a:t>
+            </a:r>
+            <a:endParaRPr sz="1200"/>
+          </a:p>
+          <a:p>
+            <a:pPr indent="0" lvl="0" marL="457200" rtl="0" algn="l">
+              <a:spcBef>
+                <a:spcPts val="1600"/>
+              </a:spcBef>
+              <a:spcAft>
+                <a:spcPts val="1600"/>
+              </a:spcAft>
+              <a:buNone/>
+            </a:pPr>
+            <a:r>
+              <a:t/>
+            </a:r>
+            <a:endParaRPr sz="1200"/>
+          </a:p>
+        </p:txBody>
+      </p:sp>
+      <p:sp>
+        <p:nvSpPr>
+          <p:cNvPr id="313" name="Google Shape;313;p33"/>
+          <p:cNvSpPr txBox="1"/>
+          <p:nvPr/>
+        </p:nvSpPr>
+        <p:spPr>
+          <a:xfrm>
+            <a:off x="4939500" y="77700"/>
+            <a:ext cx="2137200" cy="646500"/>
+          </a:xfrm>
+          <a:prstGeom prst="rect">
+            <a:avLst/>
+          </a:prstGeom>
+          <a:noFill/>
+          <a:ln>
+            <a:noFill/>
+          </a:ln>
+        </p:spPr>
+        <p:txBody>
+          <a:bodyPr anchorCtr="0" anchor="t" bIns="91425" lIns="91425" spcFirstLastPara="1" rIns="91425" wrap="square" tIns="91425">
+            <a:spAutoFit/>
+          </a:bodyPr>
+          <a:lstStyle/>
+          <a:p>
+            <a:pPr indent="0" lvl="0" marL="0" rtl="0" algn="l">
+              <a:spcBef>
+                <a:spcPts val="0"/>
+              </a:spcBef>
+              <a:spcAft>
+                <a:spcPts val="0"/>
+              </a:spcAft>
+              <a:buNone/>
+            </a:pPr>
+            <a:r>
+              <a:rPr lang="en" sz="3000">
+                <a:solidFill>
+                  <a:schemeClr val="lt1"/>
+                </a:solidFill>
+                <a:latin typeface="Roboto"/>
+                <a:ea typeface="Roboto"/>
+                <a:cs typeface="Roboto"/>
+                <a:sym typeface="Roboto"/>
+              </a:rPr>
+              <a:t>Sources</a:t>
+            </a:r>
+            <a:endParaRPr sz="3000">
+              <a:solidFill>
+                <a:schemeClr val="lt1"/>
+              </a:solidFill>
+              <a:latin typeface="Roboto"/>
+              <a:ea typeface="Roboto"/>
+              <a:cs typeface="Roboto"/>
+              <a:sym typeface="Roboto"/>
+            </a:endParaRPr>
           </a:p>
         </p:txBody>
       </p:sp>
@@ -14447,7 +15440,7 @@
             </a:pPr>
             <a:r>
               <a:rPr lang="en" sz="1100"/>
-              <a:t>Forecast close price of Apple using LSTM model on last 5 years of lagged close prices of Apple and various relevant stocks</a:t>
+              <a:t>Forecast close price of Apple using LSTM model on last 3 years of lagged close prices of Apple and various relevant stocks</a:t>
             </a:r>
             <a:endParaRPr sz="1100"/>
           </a:p>
@@ -14688,7 +15681,7 @@
             </a:pPr>
             <a:r>
               <a:rPr lang="en" sz="1100"/>
-              <a:t>Use 20 and 10 days SMA for the predicted LSTM daily close result and report signal when they cross.</a:t>
+              <a:t>Use 20 and 10 day SMA for the predicted LSTM daily close result and report signal when they cross.</a:t>
             </a:r>
             <a:endParaRPr sz="1100"/>
           </a:p>
@@ -15176,7 +16169,7 @@
             </a:r>
             <a:r>
               <a:rPr lang="en" sz="1100"/>
-              <a:t> a websocket to monitor intraday market and  take advantage of unexpected market moves.</a:t>
+              <a:t> a websocket to monitor intraday market and take advantage of unexpected market moves.</a:t>
             </a:r>
             <a:endParaRPr sz="1100"/>
           </a:p>
@@ -15396,18 +16389,17 @@
           <p:cNvPicPr preferRelativeResize="0"/>
           <p:nvPr/>
         </p:nvPicPr>
-        <p:blipFill>
+        <p:blipFill rotWithShape="1">
           <a:blip r:embed="rId4">
             <a:alphaModFix/>
           </a:blip>
-          <a:stretch>
-            <a:fillRect/>
-          </a:stretch>
+          <a:srcRect b="50196" l="0" r="0" t="0"/>
+          <a:stretch/>
         </p:blipFill>
         <p:spPr>
           <a:xfrm>
-            <a:off x="3048000" y="838200"/>
-            <a:ext cx="2873639" cy="2716375"/>
+            <a:off x="1505600" y="1284000"/>
+            <a:ext cx="4257576" cy="2004375"/>
           </a:xfrm>
           <a:prstGeom prst="rect">
             <a:avLst/>
@@ -15462,6 +16454,33 @@
           </a:p>
         </p:txBody>
       </p:sp>
+      <p:pic>
+        <p:nvPicPr>
+          <p:cNvPr id="190" name="Google Shape;190;p18"/>
+          <p:cNvPicPr preferRelativeResize="0"/>
+          <p:nvPr/>
+        </p:nvPicPr>
+        <p:blipFill rotWithShape="1">
+          <a:blip r:embed="rId5">
+            <a:alphaModFix/>
+          </a:blip>
+          <a:srcRect b="0" l="0" r="59959" t="0"/>
+          <a:stretch/>
+        </p:blipFill>
+        <p:spPr>
+          <a:xfrm>
+            <a:off x="5947850" y="1284000"/>
+            <a:ext cx="1802680" cy="2004375"/>
+          </a:xfrm>
+          <a:prstGeom prst="rect">
+            <a:avLst/>
+          </a:prstGeom>
+          <a:noFill/>
+          <a:ln>
+            <a:noFill/>
+          </a:ln>
+        </p:spPr>
+      </p:pic>
     </p:spTree>
   </p:cSld>
   <p:clrMapOvr>
@@ -15475,7 +16494,7 @@
   <p:cSld>
     <p:spTree>
       <p:nvGrpSpPr>
-        <p:cNvPr id="193" name="Shape 193"/>
+        <p:cNvPr id="194" name="Shape 194"/>
         <p:cNvGrpSpPr/>
         <p:nvPr/>
       </p:nvGrpSpPr>
@@ -15489,7 +16508,7 @@
       </p:grpSpPr>
       <p:sp>
         <p:nvSpPr>
-          <p:cNvPr id="194" name="Google Shape;194;p19"/>
+          <p:cNvPr id="195" name="Google Shape;195;p19"/>
           <p:cNvSpPr txBox="1"/>
           <p:nvPr>
             <p:ph type="title"/>
@@ -15529,7 +16548,7 @@
       </p:sp>
       <p:sp>
         <p:nvSpPr>
-          <p:cNvPr id="195" name="Google Shape;195;p19"/>
+          <p:cNvPr id="196" name="Google Shape;196;p19"/>
           <p:cNvSpPr txBox="1"/>
           <p:nvPr>
             <p:ph idx="1" type="subTitle"/>
@@ -15654,7 +16673,7 @@
       </p:sp>
       <p:sp>
         <p:nvSpPr>
-          <p:cNvPr id="196" name="Google Shape;196;p19"/>
+          <p:cNvPr id="197" name="Google Shape;197;p19"/>
           <p:cNvSpPr txBox="1"/>
           <p:nvPr>
             <p:ph idx="2" type="body"/>
@@ -15697,7 +16716,7 @@
       </p:sp>
       <p:sp>
         <p:nvSpPr>
-          <p:cNvPr id="197" name="Google Shape;197;p19"/>
+          <p:cNvPr id="198" name="Google Shape;198;p19"/>
           <p:cNvSpPr txBox="1"/>
           <p:nvPr/>
         </p:nvSpPr>
@@ -15755,7 +16774,7 @@
       </p:sp>
       <p:sp>
         <p:nvSpPr>
-          <p:cNvPr id="198" name="Google Shape;198;p19"/>
+          <p:cNvPr id="199" name="Google Shape;199;p19"/>
           <p:cNvSpPr txBox="1"/>
           <p:nvPr>
             <p:ph idx="1" type="subTitle"/>
@@ -15885,7 +16904,7 @@
       </p:sp>
       <p:pic>
         <p:nvPicPr>
-          <p:cNvPr id="199" name="Google Shape;199;p19"/>
+          <p:cNvPr id="200" name="Google Shape;200;p19"/>
           <p:cNvPicPr preferRelativeResize="0"/>
           <p:nvPr/>
         </p:nvPicPr>
@@ -15913,7 +16932,7 @@
       </p:pic>
       <p:sp>
         <p:nvSpPr>
-          <p:cNvPr id="200" name="Google Shape;200;p19"/>
+          <p:cNvPr id="201" name="Google Shape;201;p19"/>
           <p:cNvSpPr txBox="1"/>
           <p:nvPr/>
         </p:nvSpPr>
@@ -15982,7 +17001,7 @@
   <p:cSld>
     <p:spTree>
       <p:nvGrpSpPr>
-        <p:cNvPr id="204" name="Shape 204"/>
+        <p:cNvPr id="205" name="Shape 205"/>
         <p:cNvGrpSpPr/>
         <p:nvPr/>
       </p:nvGrpSpPr>
@@ -15996,7 +17015,7 @@
       </p:grpSpPr>
       <p:pic>
         <p:nvPicPr>
-          <p:cNvPr id="205" name="Google Shape;205;p20"/>
+          <p:cNvPr id="206" name="Google Shape;206;p20"/>
           <p:cNvPicPr preferRelativeResize="0"/>
           <p:nvPr/>
         </p:nvPicPr>
@@ -16010,8 +17029,8 @@
         </p:blipFill>
         <p:spPr>
           <a:xfrm>
-            <a:off x="744450" y="601075"/>
-            <a:ext cx="7801300" cy="4401300"/>
+            <a:off x="383150" y="718325"/>
+            <a:ext cx="6043249" cy="3409450"/>
           </a:xfrm>
           <a:prstGeom prst="rect">
             <a:avLst/>
@@ -16024,13 +17043,13 @@
       </p:pic>
       <p:sp>
         <p:nvSpPr>
-          <p:cNvPr id="206" name="Google Shape;206;p20"/>
+          <p:cNvPr id="207" name="Google Shape;207;p20"/>
           <p:cNvSpPr txBox="1"/>
           <p:nvPr/>
         </p:nvSpPr>
         <p:spPr>
           <a:xfrm>
-            <a:off x="822375" y="102725"/>
+            <a:off x="656675" y="102725"/>
             <a:ext cx="4110000" cy="615600"/>
           </a:xfrm>
           <a:prstGeom prst="rect">
@@ -16067,6 +17086,257 @@
                 <a:sym typeface="Roboto"/>
               </a:rPr>
               <a:t>Tensorflow.Keras LSTM</a:t>
+            </a:r>
+            <a:endParaRPr sz="2800">
+              <a:solidFill>
+                <a:schemeClr val="dk1"/>
+              </a:solidFill>
+              <a:latin typeface="Roboto"/>
+              <a:ea typeface="Roboto"/>
+              <a:cs typeface="Roboto"/>
+              <a:sym typeface="Roboto"/>
+            </a:endParaRPr>
+          </a:p>
+        </p:txBody>
+      </p:sp>
+      <p:pic>
+        <p:nvPicPr>
+          <p:cNvPr id="208" name="Google Shape;208;p20"/>
+          <p:cNvPicPr preferRelativeResize="0"/>
+          <p:nvPr/>
+        </p:nvPicPr>
+        <p:blipFill>
+          <a:blip r:embed="rId4">
+            <a:alphaModFix/>
+          </a:blip>
+          <a:stretch>
+            <a:fillRect/>
+          </a:stretch>
+        </p:blipFill>
+        <p:spPr>
+          <a:xfrm>
+            <a:off x="5650876" y="2913525"/>
+            <a:ext cx="3294198" cy="2165051"/>
+          </a:xfrm>
+          <a:prstGeom prst="rect">
+            <a:avLst/>
+          </a:prstGeom>
+          <a:noFill/>
+          <a:ln>
+            <a:noFill/>
+          </a:ln>
+        </p:spPr>
+      </p:pic>
+      <p:pic>
+        <p:nvPicPr>
+          <p:cNvPr id="209" name="Google Shape;209;p20"/>
+          <p:cNvPicPr preferRelativeResize="0"/>
+          <p:nvPr/>
+        </p:nvPicPr>
+        <p:blipFill>
+          <a:blip r:embed="rId5">
+            <a:alphaModFix/>
+          </a:blip>
+          <a:stretch>
+            <a:fillRect/>
+          </a:stretch>
+        </p:blipFill>
+        <p:spPr>
+          <a:xfrm>
+            <a:off x="6489350" y="1462375"/>
+            <a:ext cx="2340475" cy="1210225"/>
+          </a:xfrm>
+          <a:prstGeom prst="rect">
+            <a:avLst/>
+          </a:prstGeom>
+          <a:noFill/>
+          <a:ln>
+            <a:noFill/>
+          </a:ln>
+        </p:spPr>
+      </p:pic>
+    </p:spTree>
+  </p:cSld>
+  <p:clrMapOvr>
+    <a:masterClrMapping/>
+  </p:clrMapOvr>
+</p:sld>
+</file>
+
+<file path=ppt/slides/slide9.xml><?xml version="1.0" encoding="utf-8"?>
+<p:sld xmlns:a="http://schemas.openxmlformats.org/drawingml/2006/main" xmlns:r="http://schemas.openxmlformats.org/officeDocument/2006/relationships" xmlns:mc="http://schemas.openxmlformats.org/markup-compatibility/2006" xmlns:mv="urn:schemas-microsoft-com:mac:vml" xmlns:p="http://schemas.openxmlformats.org/presentationml/2006/main" xmlns:c="http://schemas.openxmlformats.org/drawingml/2006/chart" xmlns:dgm="http://schemas.openxmlformats.org/drawingml/2006/diagram" xmlns:o="urn:schemas-microsoft-com:office:office" xmlns:v="urn:schemas-microsoft-com:vml" xmlns:pvml="urn:schemas-microsoft-com:office:powerpoint" xmlns:com="http://schemas.openxmlformats.org/drawingml/2006/compatibility" xmlns:p14="http://schemas.microsoft.com/office/powerpoint/2010/main" xmlns:p15="http://schemas.microsoft.com/office/powerpoint/2012/main" xmlns:ahyp="http://schemas.microsoft.com/office/drawing/2018/hyperlinkcolor">
+  <p:cSld>
+    <p:spTree>
+      <p:nvGrpSpPr>
+        <p:cNvPr id="213" name="Shape 213"/>
+        <p:cNvGrpSpPr/>
+        <p:nvPr/>
+      </p:nvGrpSpPr>
+      <p:grpSpPr>
+        <a:xfrm>
+          <a:off x="0" y="0"/>
+          <a:ext cx="0" cy="0"/>
+          <a:chOff x="0" y="0"/>
+          <a:chExt cx="0" cy="0"/>
+        </a:xfrm>
+      </p:grpSpPr>
+      <p:pic>
+        <p:nvPicPr>
+          <p:cNvPr id="214" name="Google Shape;214;p21"/>
+          <p:cNvPicPr preferRelativeResize="0"/>
+          <p:nvPr/>
+        </p:nvPicPr>
+        <p:blipFill>
+          <a:blip r:embed="rId3">
+            <a:alphaModFix/>
+          </a:blip>
+          <a:stretch>
+            <a:fillRect/>
+          </a:stretch>
+        </p:blipFill>
+        <p:spPr>
+          <a:xfrm>
+            <a:off x="227550" y="1112375"/>
+            <a:ext cx="4980402" cy="2751724"/>
+          </a:xfrm>
+          <a:prstGeom prst="rect">
+            <a:avLst/>
+          </a:prstGeom>
+          <a:noFill/>
+          <a:ln>
+            <a:noFill/>
+          </a:ln>
+        </p:spPr>
+      </p:pic>
+      <p:pic>
+        <p:nvPicPr>
+          <p:cNvPr id="215" name="Google Shape;215;p21"/>
+          <p:cNvPicPr preferRelativeResize="0"/>
+          <p:nvPr/>
+        </p:nvPicPr>
+        <p:blipFill>
+          <a:blip r:embed="rId4">
+            <a:alphaModFix/>
+          </a:blip>
+          <a:stretch>
+            <a:fillRect/>
+          </a:stretch>
+        </p:blipFill>
+        <p:spPr>
+          <a:xfrm>
+            <a:off x="3904601" y="2836789"/>
+            <a:ext cx="4980399" cy="2100461"/>
+          </a:xfrm>
+          <a:prstGeom prst="rect">
+            <a:avLst/>
+          </a:prstGeom>
+          <a:noFill/>
+          <a:ln>
+            <a:noFill/>
+          </a:ln>
+        </p:spPr>
+      </p:pic>
+      <p:sp>
+        <p:nvSpPr>
+          <p:cNvPr id="216" name="Google Shape;216;p21"/>
+          <p:cNvSpPr txBox="1"/>
+          <p:nvPr/>
+        </p:nvSpPr>
+        <p:spPr>
+          <a:xfrm>
+            <a:off x="656675" y="102725"/>
+            <a:ext cx="6201300" cy="1046700"/>
+          </a:xfrm>
+          <a:prstGeom prst="rect">
+            <a:avLst/>
+          </a:prstGeom>
+          <a:noFill/>
+          <a:ln>
+            <a:noFill/>
+          </a:ln>
+        </p:spPr>
+        <p:txBody>
+          <a:bodyPr anchorCtr="0" anchor="t" bIns="91425" lIns="91425" spcFirstLastPara="1" rIns="91425" wrap="square" tIns="91425">
+            <a:spAutoFit/>
+          </a:bodyPr>
+          <a:lstStyle/>
+          <a:p>
+            <a:pPr indent="0" lvl="0" marL="0" rtl="0" algn="l">
+              <a:spcBef>
+                <a:spcPts val="0"/>
+              </a:spcBef>
+              <a:spcAft>
+                <a:spcPts val="0"/>
+              </a:spcAft>
+              <a:buNone/>
+            </a:pPr>
+            <a:r>
+              <a:rPr lang="en" sz="2800">
+                <a:solidFill>
+                  <a:schemeClr val="dk1"/>
+                </a:solidFill>
+                <a:latin typeface="Roboto"/>
+                <a:ea typeface="Roboto"/>
+                <a:cs typeface="Roboto"/>
+                <a:sym typeface="Roboto"/>
+              </a:rPr>
+              <a:t>Tensorflow.Keras </a:t>
+            </a:r>
+            <a:r>
+              <a:rPr lang="en" sz="2800">
+                <a:solidFill>
+                  <a:schemeClr val="dk1"/>
+                </a:solidFill>
+                <a:latin typeface="Roboto"/>
+                <a:ea typeface="Roboto"/>
+                <a:cs typeface="Roboto"/>
+                <a:sym typeface="Roboto"/>
+              </a:rPr>
+              <a:t>LSTM</a:t>
+            </a:r>
+            <a:endParaRPr sz="2800">
+              <a:solidFill>
+                <a:schemeClr val="dk1"/>
+              </a:solidFill>
+              <a:latin typeface="Roboto"/>
+              <a:ea typeface="Roboto"/>
+              <a:cs typeface="Roboto"/>
+              <a:sym typeface="Roboto"/>
+            </a:endParaRPr>
+          </a:p>
+          <a:p>
+            <a:pPr indent="0" lvl="0" marL="0" rtl="0" algn="l">
+              <a:spcBef>
+                <a:spcPts val="0"/>
+              </a:spcBef>
+              <a:spcAft>
+                <a:spcPts val="0"/>
+              </a:spcAft>
+              <a:buNone/>
+            </a:pPr>
+            <a:r>
+              <a:rPr lang="en" sz="2800">
+                <a:solidFill>
+                  <a:schemeClr val="dk1"/>
+                </a:solidFill>
+                <a:latin typeface="Roboto"/>
+                <a:ea typeface="Roboto"/>
+                <a:cs typeface="Roboto"/>
+                <a:sym typeface="Roboto"/>
+              </a:rPr>
+              <a:t>Alternative Try</a:t>
+            </a:r>
+            <a:r>
+              <a:rPr lang="en" sz="2800">
+                <a:solidFill>
+                  <a:schemeClr val="dk1"/>
+                </a:solidFill>
+                <a:latin typeface="Roboto"/>
+                <a:ea typeface="Roboto"/>
+                <a:cs typeface="Roboto"/>
+                <a:sym typeface="Roboto"/>
+              </a:rPr>
+              <a:t> </a:t>
             </a:r>
             <a:endParaRPr sz="2800">
               <a:solidFill>
@@ -16088,111 +17358,286 @@
 </p:sld>
 </file>
 
-<file path=ppt/slides/slide9.xml><?xml version="1.0" encoding="utf-8"?>
-<p:sld xmlns:a="http://schemas.openxmlformats.org/drawingml/2006/main" xmlns:r="http://schemas.openxmlformats.org/officeDocument/2006/relationships" xmlns:mc="http://schemas.openxmlformats.org/markup-compatibility/2006" xmlns:mv="urn:schemas-microsoft-com:mac:vml" xmlns:p="http://schemas.openxmlformats.org/presentationml/2006/main" xmlns:c="http://schemas.openxmlformats.org/drawingml/2006/chart" xmlns:dgm="http://schemas.openxmlformats.org/drawingml/2006/diagram" xmlns:o="urn:schemas-microsoft-com:office:office" xmlns:v="urn:schemas-microsoft-com:vml" xmlns:pvml="urn:schemas-microsoft-com:office:powerpoint" xmlns:com="http://schemas.openxmlformats.org/drawingml/2006/compatibility" xmlns:p14="http://schemas.microsoft.com/office/powerpoint/2010/main" xmlns:p15="http://schemas.microsoft.com/office/powerpoint/2012/main" xmlns:ahyp="http://schemas.microsoft.com/office/drawing/2018/hyperlinkcolor">
-  <p:cSld>
-    <p:spTree>
-      <p:nvGrpSpPr>
-        <p:cNvPr id="210" name="Shape 210"/>
-        <p:cNvGrpSpPr/>
-        <p:nvPr/>
-      </p:nvGrpSpPr>
-      <p:grpSpPr>
-        <a:xfrm>
-          <a:off x="0" y="0"/>
-          <a:ext cx="0" cy="0"/>
-          <a:chOff x="0" y="0"/>
-          <a:chExt cx="0" cy="0"/>
-        </a:xfrm>
-      </p:grpSpPr>
-      <p:pic>
-        <p:nvPicPr>
-          <p:cNvPr id="211" name="Google Shape;211;p21"/>
-          <p:cNvPicPr preferRelativeResize="0"/>
-          <p:nvPr/>
-        </p:nvPicPr>
-        <p:blipFill>
-          <a:blip r:embed="rId3">
-            <a:alphaModFix/>
-          </a:blip>
-          <a:stretch>
-            <a:fillRect/>
-          </a:stretch>
-        </p:blipFill>
-        <p:spPr>
-          <a:xfrm>
-            <a:off x="276550" y="1073425"/>
-            <a:ext cx="8266599" cy="2996650"/>
-          </a:xfrm>
-          <a:prstGeom prst="rect">
-            <a:avLst/>
-          </a:prstGeom>
-          <a:noFill/>
-          <a:ln>
-            <a:noFill/>
-          </a:ln>
-        </p:spPr>
-      </p:pic>
-      <p:sp>
-        <p:nvSpPr>
-          <p:cNvPr id="212" name="Google Shape;212;p21"/>
-          <p:cNvSpPr txBox="1"/>
-          <p:nvPr>
-            <p:ph idx="2" type="body"/>
-          </p:nvPr>
-        </p:nvSpPr>
-        <p:spPr>
-          <a:xfrm>
-            <a:off x="680575" y="238225"/>
-            <a:ext cx="4045200" cy="728100"/>
-          </a:xfrm>
-          <a:prstGeom prst="rect">
-            <a:avLst/>
-          </a:prstGeom>
-        </p:spPr>
-        <p:txBody>
-          <a:bodyPr anchorCtr="0" anchor="ctr" bIns="91425" lIns="91425" spcFirstLastPara="1" rIns="91425" wrap="square" tIns="91425">
-            <a:noAutofit/>
-          </a:bodyPr>
-          <a:lstStyle/>
-          <a:p>
-            <a:pPr indent="0" lvl="0" marL="0" rtl="0" algn="ctr">
-              <a:lnSpc>
-                <a:spcPct val="100000"/>
-              </a:lnSpc>
-              <a:spcBef>
-                <a:spcPts val="0"/>
-              </a:spcBef>
-              <a:spcAft>
-                <a:spcPts val="0"/>
-              </a:spcAft>
-              <a:buNone/>
-            </a:pPr>
-            <a:r>
-              <a:rPr lang="en" sz="2800">
-                <a:solidFill>
-                  <a:schemeClr val="dk1"/>
-                </a:solidFill>
-              </a:rPr>
-              <a:t>Beta-t-EGARCH</a:t>
-            </a:r>
-            <a:endParaRPr sz="2800">
-              <a:solidFill>
-                <a:schemeClr val="dk1"/>
-              </a:solidFill>
-            </a:endParaRPr>
-          </a:p>
-        </p:txBody>
-      </p:sp>
-    </p:spTree>
-  </p:cSld>
-  <p:clrMapOvr>
-    <a:masterClrMapping/>
-  </p:clrMapOvr>
-</p:sld>
+<file path=ppt/theme/theme1.xml><?xml version="1.0" encoding="utf-8"?>
+<a:theme xmlns:a="http://schemas.openxmlformats.org/drawingml/2006/main" xmlns:r="http://schemas.openxmlformats.org/officeDocument/2006/relationships">
+  <a:themeElements>
+    <a:clrScheme name="Default">
+      <a:dk1>
+        <a:srgbClr val="000000"/>
+      </a:dk1>
+      <a:lt1>
+        <a:srgbClr val="FFFFFF"/>
+      </a:lt1>
+      <a:dk2>
+        <a:srgbClr val="158158"/>
+      </a:dk2>
+      <a:lt2>
+        <a:srgbClr val="F3F3F3"/>
+      </a:lt2>
+      <a:accent1>
+        <a:srgbClr val="058DC7"/>
+      </a:accent1>
+      <a:accent2>
+        <a:srgbClr val="50B432"/>
+      </a:accent2>
+      <a:accent3>
+        <a:srgbClr val="ED561B"/>
+      </a:accent3>
+      <a:accent4>
+        <a:srgbClr val="EDEF00"/>
+      </a:accent4>
+      <a:accent5>
+        <a:srgbClr val="24CBE5"/>
+      </a:accent5>
+      <a:accent6>
+        <a:srgbClr val="64E572"/>
+      </a:accent6>
+      <a:hlink>
+        <a:srgbClr val="2200CC"/>
+      </a:hlink>
+      <a:folHlink>
+        <a:srgbClr val="551A8B"/>
+      </a:folHlink>
+    </a:clrScheme>
+    <a:fontScheme name="Office">
+      <a:majorFont>
+        <a:latin typeface="Arial"/>
+        <a:ea typeface=""/>
+        <a:cs typeface=""/>
+        <a:font script="Jpan" typeface="ＭＳ Ｐゴシック"/>
+        <a:font script="Hang" typeface="맑은 고딕"/>
+        <a:font script="Hans" typeface="宋体"/>
+        <a:font script="Hant" typeface="新細明體"/>
+        <a:font script="Arab" typeface="Times New Roman"/>
+        <a:font script="Hebr" typeface="Times New Roman"/>
+        <a:font script="Thai" typeface="Angsana New"/>
+        <a:font script="Ethi" typeface="Nyala"/>
+        <a:font script="Beng" typeface="Vrinda"/>
+        <a:font script="Gujr" typeface="Shruti"/>
+        <a:font script="Khmr" typeface="MoolBoran"/>
+        <a:font script="Knda" typeface="Tunga"/>
+        <a:font script="Guru" typeface="Raavi"/>
+        <a:font script="Cans" typeface="Euphemia"/>
+        <a:font script="Cher" typeface="Plantagenet Cherokee"/>
+        <a:font script="Yiii" typeface="Microsoft Yi Baiti"/>
+        <a:font script="Tibt" typeface="Microsoft Himalaya"/>
+        <a:font script="Thaa" typeface="MV Boli"/>
+        <a:font script="Deva" typeface="Mangal"/>
+        <a:font script="Telu" typeface="Gautami"/>
+        <a:font script="Taml" typeface="Latha"/>
+        <a:font script="Syrc" typeface="Estrangelo Edessa"/>
+        <a:font script="Orya" typeface="Kalinga"/>
+        <a:font script="Mlym" typeface="Kartika"/>
+        <a:font script="Laoo" typeface="DokChampa"/>
+        <a:font script="Sinh" typeface="Iskoola Pota"/>
+        <a:font script="Mong" typeface="Mongolian Baiti"/>
+        <a:font script="Viet" typeface="Times New Roman"/>
+        <a:font script="Uigh" typeface="Microsoft Uighur"/>
+        <a:font script="Geor" typeface="Sylfaen"/>
+      </a:majorFont>
+      <a:minorFont>
+        <a:latin typeface="Arial"/>
+        <a:ea typeface=""/>
+        <a:cs typeface=""/>
+        <a:font script="Jpan" typeface="ＭＳ Ｐゴシック"/>
+        <a:font script="Hang" typeface="맑은 고딕"/>
+        <a:font script="Hans" typeface="宋体"/>
+        <a:font script="Hant" typeface="新細明體"/>
+        <a:font script="Arab" typeface="Arial"/>
+        <a:font script="Hebr" typeface="Arial"/>
+        <a:font script="Thai" typeface="Cordia New"/>
+        <a:font script="Ethi" typeface="Nyala"/>
+        <a:font script="Beng" typeface="Vrinda"/>
+        <a:font script="Gujr" typeface="Shruti"/>
+        <a:font script="Khmr" typeface="DaunPenh"/>
+        <a:font script="Knda" typeface="Tunga"/>
+        <a:font script="Guru" typeface="Raavi"/>
+        <a:font script="Cans" typeface="Euphemia"/>
+        <a:font script="Cher" typeface="Plantagenet Cherokee"/>
+        <a:font script="Yiii" typeface="Microsoft Yi Baiti"/>
+        <a:font script="Tibt" typeface="Microsoft Himalaya"/>
+        <a:font script="Thaa" typeface="MV Boli"/>
+        <a:font script="Deva" typeface="Mangal"/>
+        <a:font script="Telu" typeface="Gautami"/>
+        <a:font script="Taml" typeface="Latha"/>
+        <a:font script="Syrc" typeface="Estrangelo Edessa"/>
+        <a:font script="Orya" typeface="Kalinga"/>
+        <a:font script="Mlym" typeface="Kartika"/>
+        <a:font script="Laoo" typeface="DokChampa"/>
+        <a:font script="Sinh" typeface="Iskoola Pota"/>
+        <a:font script="Mong" typeface="Mongolian Baiti"/>
+        <a:font script="Viet" typeface="Arial"/>
+        <a:font script="Uigh" typeface="Microsoft Uighur"/>
+        <a:font script="Geor" typeface="Sylfaen"/>
+      </a:minorFont>
+    </a:fontScheme>
+    <a:fmtScheme name="Office">
+      <a:fillStyleLst>
+        <a:solidFill>
+          <a:schemeClr val="phClr"/>
+        </a:solidFill>
+        <a:gradFill rotWithShape="1">
+          <a:gsLst>
+            <a:gs pos="0">
+              <a:schemeClr val="phClr">
+                <a:tint val="50000"/>
+                <a:satMod val="300000"/>
+              </a:schemeClr>
+            </a:gs>
+            <a:gs pos="35000">
+              <a:schemeClr val="phClr">
+                <a:tint val="37000"/>
+                <a:satMod val="300000"/>
+              </a:schemeClr>
+            </a:gs>
+            <a:gs pos="100000">
+              <a:schemeClr val="phClr">
+                <a:tint val="15000"/>
+                <a:satMod val="350000"/>
+              </a:schemeClr>
+            </a:gs>
+          </a:gsLst>
+          <a:lin ang="16200000" scaled="1"/>
+        </a:gradFill>
+        <a:gradFill rotWithShape="1">
+          <a:gsLst>
+            <a:gs pos="0">
+              <a:schemeClr val="phClr">
+                <a:tint val="100000"/>
+                <a:shade val="100000"/>
+                <a:satMod val="130000"/>
+              </a:schemeClr>
+            </a:gs>
+            <a:gs pos="100000">
+              <a:schemeClr val="phClr">
+                <a:tint val="50000"/>
+                <a:shade val="100000"/>
+                <a:satMod val="350000"/>
+              </a:schemeClr>
+            </a:gs>
+          </a:gsLst>
+          <a:lin ang="16200000" scaled="0"/>
+        </a:gradFill>
+      </a:fillStyleLst>
+      <a:lnStyleLst>
+        <a:ln w="9525" cap="flat" cmpd="sng" algn="ctr">
+          <a:solidFill>
+            <a:schemeClr val="phClr">
+              <a:shade val="95000"/>
+              <a:satMod val="105000"/>
+            </a:schemeClr>
+          </a:solidFill>
+          <a:prstDash val="solid"/>
+        </a:ln>
+        <a:ln w="25400" cap="flat" cmpd="sng" algn="ctr">
+          <a:solidFill>
+            <a:schemeClr val="phClr"/>
+          </a:solidFill>
+          <a:prstDash val="solid"/>
+        </a:ln>
+        <a:ln w="38100" cap="flat" cmpd="sng" algn="ctr">
+          <a:solidFill>
+            <a:schemeClr val="phClr"/>
+          </a:solidFill>
+          <a:prstDash val="solid"/>
+        </a:ln>
+      </a:lnStyleLst>
+      <a:effectStyleLst>
+        <a:effectStyle>
+          <a:effectLst>
+            <a:outerShdw blurRad="40000" dist="20000" dir="5400000" rotWithShape="0">
+              <a:srgbClr val="000000">
+                <a:alpha val="38000"/>
+              </a:srgbClr>
+            </a:outerShdw>
+          </a:effectLst>
+        </a:effectStyle>
+        <a:effectStyle>
+          <a:effectLst>
+            <a:outerShdw blurRad="40000" dist="23000" dir="5400000" rotWithShape="0">
+              <a:srgbClr val="000000">
+                <a:alpha val="35000"/>
+              </a:srgbClr>
+            </a:outerShdw>
+          </a:effectLst>
+        </a:effectStyle>
+        <a:effectStyle>
+          <a:effectLst>
+            <a:outerShdw blurRad="40000" dist="23000" dir="5400000" rotWithShape="0">
+              <a:srgbClr val="000000">
+                <a:alpha val="35000"/>
+              </a:srgbClr>
+            </a:outerShdw>
+          </a:effectLst>
+          <a:scene3d>
+            <a:camera prst="orthographicFront">
+              <a:rot lat="0" lon="0" rev="0"/>
+            </a:camera>
+            <a:lightRig rig="threePt" dir="t">
+              <a:rot lat="0" lon="0" rev="1200000"/>
+            </a:lightRig>
+          </a:scene3d>
+          <a:sp3d>
+            <a:bevelT w="63500" h="25400"/>
+          </a:sp3d>
+        </a:effectStyle>
+      </a:effectStyleLst>
+      <a:bgFillStyleLst>
+        <a:solidFill>
+          <a:schemeClr val="phClr"/>
+        </a:solidFill>
+        <a:gradFill rotWithShape="1">
+          <a:gsLst>
+            <a:gs pos="0">
+              <a:schemeClr val="phClr">
+                <a:tint val="40000"/>
+                <a:satMod val="350000"/>
+              </a:schemeClr>
+            </a:gs>
+            <a:gs pos="40000">
+              <a:schemeClr val="phClr">
+                <a:tint val="45000"/>
+                <a:shade val="99000"/>
+                <a:satMod val="350000"/>
+              </a:schemeClr>
+            </a:gs>
+            <a:gs pos="100000">
+              <a:schemeClr val="phClr">
+                <a:shade val="20000"/>
+                <a:satMod val="255000"/>
+              </a:schemeClr>
+            </a:gs>
+          </a:gsLst>
+          <a:path path="circle">
+            <a:fillToRect l="50000" t="-80000" r="50000" b="180000"/>
+          </a:path>
+        </a:gradFill>
+        <a:gradFill rotWithShape="1">
+          <a:gsLst>
+            <a:gs pos="0">
+              <a:schemeClr val="phClr">
+                <a:tint val="80000"/>
+                <a:satMod val="300000"/>
+              </a:schemeClr>
+            </a:gs>
+            <a:gs pos="100000">
+              <a:schemeClr val="phClr">
+                <a:shade val="30000"/>
+                <a:satMod val="200000"/>
+              </a:schemeClr>
+            </a:gs>
+          </a:gsLst>
+          <a:path path="circle">
+            <a:fillToRect l="50000" t="50000" r="50000" b="50000"/>
+          </a:path>
+        </a:gradFill>
+      </a:bgFillStyleLst>
+    </a:fmtScheme>
+  </a:themeElements>
+</a:theme>
 </file>
 
-<file path=ppt/theme/theme1.xml><?xml version="1.0" encoding="utf-8"?>
+<file path=ppt/theme/theme2.xml><?xml version="1.0" encoding="utf-8"?>
 <a:theme xmlns:a="http://schemas.openxmlformats.org/drawingml/2006/main" xmlns:r="http://schemas.openxmlformats.org/officeDocument/2006/relationships" name="Geometric">
   <a:themeElements>
     <a:clrScheme name="Geometric">
@@ -16469,283 +17914,4 @@
     </a:fmtScheme>
   </a:themeElements>
 </a:theme>
-</file>
-
-<file path=ppt/theme/theme2.xml><?xml version="1.0" encoding="utf-8"?>
-<a:theme xmlns:a="http://schemas.openxmlformats.org/drawingml/2006/main" xmlns:r="http://schemas.openxmlformats.org/officeDocument/2006/relationships">
-  <a:themeElements>
-    <a:clrScheme name="Default">
-      <a:dk1>
-        <a:srgbClr val="000000"/>
-      </a:dk1>
-      <a:lt1>
-        <a:srgbClr val="FFFFFF"/>
-      </a:lt1>
-      <a:dk2>
-        <a:srgbClr val="158158"/>
-      </a:dk2>
-      <a:lt2>
-        <a:srgbClr val="F3F3F3"/>
-      </a:lt2>
-      <a:accent1>
-        <a:srgbClr val="058DC7"/>
-      </a:accent1>
-      <a:accent2>
-        <a:srgbClr val="50B432"/>
-      </a:accent2>
-      <a:accent3>
-        <a:srgbClr val="ED561B"/>
-      </a:accent3>
-      <a:accent4>
-        <a:srgbClr val="EDEF00"/>
-      </a:accent4>
-      <a:accent5>
-        <a:srgbClr val="24CBE5"/>
-      </a:accent5>
-      <a:accent6>
-        <a:srgbClr val="64E572"/>
-      </a:accent6>
-      <a:hlink>
-        <a:srgbClr val="2200CC"/>
-      </a:hlink>
-      <a:folHlink>
-        <a:srgbClr val="551A8B"/>
-      </a:folHlink>
-    </a:clrScheme>
-    <a:fontScheme name="Office">
-      <a:majorFont>
-        <a:latin typeface="Arial"/>
-        <a:ea typeface=""/>
-        <a:cs typeface=""/>
-        <a:font script="Jpan" typeface="ＭＳ Ｐゴシック"/>
-        <a:font script="Hang" typeface="맑은 고딕"/>
-        <a:font script="Hans" typeface="宋体"/>
-        <a:font script="Hant" typeface="新細明體"/>
-        <a:font script="Arab" typeface="Times New Roman"/>
-        <a:font script="Hebr" typeface="Times New Roman"/>
-        <a:font script="Thai" typeface="Angsana New"/>
-        <a:font script="Ethi" typeface="Nyala"/>
-        <a:font script="Beng" typeface="Vrinda"/>
-        <a:font script="Gujr" typeface="Shruti"/>
-        <a:font script="Khmr" typeface="MoolBoran"/>
-        <a:font script="Knda" typeface="Tunga"/>
-        <a:font script="Guru" typeface="Raavi"/>
-        <a:font script="Cans" typeface="Euphemia"/>
-        <a:font script="Cher" typeface="Plantagenet Cherokee"/>
-        <a:font script="Yiii" typeface="Microsoft Yi Baiti"/>
-        <a:font script="Tibt" typeface="Microsoft Himalaya"/>
-        <a:font script="Thaa" typeface="MV Boli"/>
-        <a:font script="Deva" typeface="Mangal"/>
-        <a:font script="Telu" typeface="Gautami"/>
-        <a:font script="Taml" typeface="Latha"/>
-        <a:font script="Syrc" typeface="Estrangelo Edessa"/>
-        <a:font script="Orya" typeface="Kalinga"/>
-        <a:font script="Mlym" typeface="Kartika"/>
-        <a:font script="Laoo" typeface="DokChampa"/>
-        <a:font script="Sinh" typeface="Iskoola Pota"/>
-        <a:font script="Mong" typeface="Mongolian Baiti"/>
-        <a:font script="Viet" typeface="Times New Roman"/>
-        <a:font script="Uigh" typeface="Microsoft Uighur"/>
-        <a:font script="Geor" typeface="Sylfaen"/>
-      </a:majorFont>
-      <a:minorFont>
-        <a:latin typeface="Arial"/>
-        <a:ea typeface=""/>
-        <a:cs typeface=""/>
-        <a:font script="Jpan" typeface="ＭＳ Ｐゴシック"/>
-        <a:font script="Hang" typeface="맑은 고딕"/>
-        <a:font script="Hans" typeface="宋体"/>
-        <a:font script="Hant" typeface="新細明體"/>
-        <a:font script="Arab" typeface="Arial"/>
-        <a:font script="Hebr" typeface="Arial"/>
-        <a:font script="Thai" typeface="Cordia New"/>
-        <a:font script="Ethi" typeface="Nyala"/>
-        <a:font script="Beng" typeface="Vrinda"/>
-        <a:font script="Gujr" typeface="Shruti"/>
-        <a:font script="Khmr" typeface="DaunPenh"/>
-        <a:font script="Knda" typeface="Tunga"/>
-        <a:font script="Guru" typeface="Raavi"/>
-        <a:font script="Cans" typeface="Euphemia"/>
-        <a:font script="Cher" typeface="Plantagenet Cherokee"/>
-        <a:font script="Yiii" typeface="Microsoft Yi Baiti"/>
-        <a:font script="Tibt" typeface="Microsoft Himalaya"/>
-        <a:font script="Thaa" typeface="MV Boli"/>
-        <a:font script="Deva" typeface="Mangal"/>
-        <a:font script="Telu" typeface="Gautami"/>
-        <a:font script="Taml" typeface="Latha"/>
-        <a:font script="Syrc" typeface="Estrangelo Edessa"/>
-        <a:font script="Orya" typeface="Kalinga"/>
-        <a:font script="Mlym" typeface="Kartika"/>
-        <a:font script="Laoo" typeface="DokChampa"/>
-        <a:font script="Sinh" typeface="Iskoola Pota"/>
-        <a:font script="Mong" typeface="Mongolian Baiti"/>
-        <a:font script="Viet" typeface="Arial"/>
-        <a:font script="Uigh" typeface="Microsoft Uighur"/>
-        <a:font script="Geor" typeface="Sylfaen"/>
-      </a:minorFont>
-    </a:fontScheme>
-    <a:fmtScheme name="Office">
-      <a:fillStyleLst>
-        <a:solidFill>
-          <a:schemeClr val="phClr"/>
-        </a:solidFill>
-        <a:gradFill rotWithShape="1">
-          <a:gsLst>
-            <a:gs pos="0">
-              <a:schemeClr val="phClr">
-                <a:tint val="50000"/>
-                <a:satMod val="300000"/>
-              </a:schemeClr>
-            </a:gs>
-            <a:gs pos="35000">
-              <a:schemeClr val="phClr">
-                <a:tint val="37000"/>
-                <a:satMod val="300000"/>
-              </a:schemeClr>
-            </a:gs>
-            <a:gs pos="100000">
-              <a:schemeClr val="phClr">
-                <a:tint val="15000"/>
-                <a:satMod val="350000"/>
-              </a:schemeClr>
-            </a:gs>
-          </a:gsLst>
-          <a:lin ang="16200000" scaled="1"/>
-        </a:gradFill>
-        <a:gradFill rotWithShape="1">
-          <a:gsLst>
-            <a:gs pos="0">
-              <a:schemeClr val="phClr">
-                <a:tint val="100000"/>
-                <a:shade val="100000"/>
-                <a:satMod val="130000"/>
-              </a:schemeClr>
-            </a:gs>
-            <a:gs pos="100000">
-              <a:schemeClr val="phClr">
-                <a:tint val="50000"/>
-                <a:shade val="100000"/>
-                <a:satMod val="350000"/>
-              </a:schemeClr>
-            </a:gs>
-          </a:gsLst>
-          <a:lin ang="16200000" scaled="0"/>
-        </a:gradFill>
-      </a:fillStyleLst>
-      <a:lnStyleLst>
-        <a:ln w="9525" cap="flat" cmpd="sng" algn="ctr">
-          <a:solidFill>
-            <a:schemeClr val="phClr">
-              <a:shade val="95000"/>
-              <a:satMod val="105000"/>
-            </a:schemeClr>
-          </a:solidFill>
-          <a:prstDash val="solid"/>
-        </a:ln>
-        <a:ln w="25400" cap="flat" cmpd="sng" algn="ctr">
-          <a:solidFill>
-            <a:schemeClr val="phClr"/>
-          </a:solidFill>
-          <a:prstDash val="solid"/>
-        </a:ln>
-        <a:ln w="38100" cap="flat" cmpd="sng" algn="ctr">
-          <a:solidFill>
-            <a:schemeClr val="phClr"/>
-          </a:solidFill>
-          <a:prstDash val="solid"/>
-        </a:ln>
-      </a:lnStyleLst>
-      <a:effectStyleLst>
-        <a:effectStyle>
-          <a:effectLst>
-            <a:outerShdw blurRad="40000" dist="20000" dir="5400000" rotWithShape="0">
-              <a:srgbClr val="000000">
-                <a:alpha val="38000"/>
-              </a:srgbClr>
-            </a:outerShdw>
-          </a:effectLst>
-        </a:effectStyle>
-        <a:effectStyle>
-          <a:effectLst>
-            <a:outerShdw blurRad="40000" dist="23000" dir="5400000" rotWithShape="0">
-              <a:srgbClr val="000000">
-                <a:alpha val="35000"/>
-              </a:srgbClr>
-            </a:outerShdw>
-          </a:effectLst>
-        </a:effectStyle>
-        <a:effectStyle>
-          <a:effectLst>
-            <a:outerShdw blurRad="40000" dist="23000" dir="5400000" rotWithShape="0">
-              <a:srgbClr val="000000">
-                <a:alpha val="35000"/>
-              </a:srgbClr>
-            </a:outerShdw>
-          </a:effectLst>
-          <a:scene3d>
-            <a:camera prst="orthographicFront">
-              <a:rot lat="0" lon="0" rev="0"/>
-            </a:camera>
-            <a:lightRig rig="threePt" dir="t">
-              <a:rot lat="0" lon="0" rev="1200000"/>
-            </a:lightRig>
-          </a:scene3d>
-          <a:sp3d>
-            <a:bevelT w="63500" h="25400"/>
-          </a:sp3d>
-        </a:effectStyle>
-      </a:effectStyleLst>
-      <a:bgFillStyleLst>
-        <a:solidFill>
-          <a:schemeClr val="phClr"/>
-        </a:solidFill>
-        <a:gradFill rotWithShape="1">
-          <a:gsLst>
-            <a:gs pos="0">
-              <a:schemeClr val="phClr">
-                <a:tint val="40000"/>
-                <a:satMod val="350000"/>
-              </a:schemeClr>
-            </a:gs>
-            <a:gs pos="40000">
-              <a:schemeClr val="phClr">
-                <a:tint val="45000"/>
-                <a:shade val="99000"/>
-                <a:satMod val="350000"/>
-              </a:schemeClr>
-            </a:gs>
-            <a:gs pos="100000">
-              <a:schemeClr val="phClr">
-                <a:shade val="20000"/>
-                <a:satMod val="255000"/>
-              </a:schemeClr>
-            </a:gs>
-          </a:gsLst>
-          <a:path path="circle">
-            <a:fillToRect l="50000" t="-80000" r="50000" b="180000"/>
-          </a:path>
-        </a:gradFill>
-        <a:gradFill rotWithShape="1">
-          <a:gsLst>
-            <a:gs pos="0">
-              <a:schemeClr val="phClr">
-                <a:tint val="80000"/>
-                <a:satMod val="300000"/>
-              </a:schemeClr>
-            </a:gs>
-            <a:gs pos="100000">
-              <a:schemeClr val="phClr">
-                <a:shade val="30000"/>
-                <a:satMod val="200000"/>
-              </a:schemeClr>
-            </a:gs>
-          </a:gsLst>
-          <a:path path="circle">
-            <a:fillToRect l="50000" t="50000" r="50000" b="50000"/>
-          </a:path>
-        </a:gradFill>
-      </a:bgFillStyleLst>
-    </a:fmtScheme>
-  </a:themeElements>
-</a:theme>
 </file>